--- a/Docs/Тибилов Таймураз Презентация.pptx
+++ b/Docs/Тибилов Таймураз Презентация.pptx
@@ -5,7 +5,7 @@
     <p:sldMasterId id="2147483648" r:id="rId1"/>
   </p:sldMasterIdLst>
   <p:notesMasterIdLst>
-    <p:notesMasterId r:id="rId23"/>
+    <p:notesMasterId r:id="rId24"/>
   </p:notesMasterIdLst>
   <p:sldIdLst>
     <p:sldId id="256" r:id="rId2"/>
@@ -28,7 +28,8 @@
     <p:sldId id="280" r:id="rId19"/>
     <p:sldId id="281" r:id="rId20"/>
     <p:sldId id="282" r:id="rId21"/>
-    <p:sldId id="263" r:id="rId22"/>
+    <p:sldId id="283" r:id="rId22"/>
+    <p:sldId id="263" r:id="rId23"/>
   </p:sldIdLst>
   <p:sldSz cx="24384000" cy="13716000"/>
   <p:notesSz cx="6858000" cy="9144000"/>
@@ -2103,7 +2104,7 @@
           </a:ln>
           <a:extLst>
             <a:ext uri="{C572A759-6A51-4108-AA02-DFA0A04FC94B}">
-              <ma14:wrappingTextBoxFlag xmlns="" xmlns:m="http://schemas.openxmlformats.org/officeDocument/2006/math" xmlns:a14="http://schemas.microsoft.com/office/drawing/2010/main" xmlns:ma14="http://schemas.microsoft.com/office/mac/drawingml/2011/main" val="1"/>
+              <ma14:wrappingTextBoxFlag xmlns:ma14="http://schemas.microsoft.com/office/mac/drawingml/2011/main" xmlns:a14="http://schemas.microsoft.com/office/drawing/2010/main" xmlns:m="http://schemas.openxmlformats.org/officeDocument/2006/math" xmlns="" val="1"/>
             </a:ext>
           </a:extLst>
         </p:spPr>
@@ -2142,7 +2143,7 @@
           </a:ln>
           <a:extLst>
             <a:ext uri="{C572A759-6A51-4108-AA02-DFA0A04FC94B}">
-              <ma14:wrappingTextBoxFlag xmlns="" xmlns:m="http://schemas.openxmlformats.org/officeDocument/2006/math" xmlns:a14="http://schemas.microsoft.com/office/drawing/2010/main" xmlns:ma14="http://schemas.microsoft.com/office/mac/drawingml/2011/main" val="1"/>
+              <ma14:wrappingTextBoxFlag xmlns:ma14="http://schemas.microsoft.com/office/mac/drawingml/2011/main" xmlns:a14="http://schemas.microsoft.com/office/drawing/2010/main" xmlns:m="http://schemas.openxmlformats.org/officeDocument/2006/math" xmlns="" val="1"/>
             </a:ext>
           </a:extLst>
         </p:spPr>
@@ -3102,7 +3103,7 @@
           </a:ln>
           <a:extLst>
             <a:ext uri="{C572A759-6A51-4108-AA02-DFA0A04FC94B}">
-              <ma14:wrappingTextBoxFlag xmlns="" xmlns:m="http://schemas.openxmlformats.org/officeDocument/2006/math" xmlns:a14="http://schemas.microsoft.com/office/drawing/2010/main" xmlns:ma14="http://schemas.microsoft.com/office/mac/drawingml/2011/main" val="1"/>
+              <ma14:wrappingTextBoxFlag xmlns:ma14="http://schemas.microsoft.com/office/mac/drawingml/2011/main" xmlns:a14="http://schemas.microsoft.com/office/drawing/2010/main" xmlns:m="http://schemas.openxmlformats.org/officeDocument/2006/math" xmlns="" val="1"/>
             </a:ext>
           </a:extLst>
         </p:spPr>
@@ -3162,7 +3163,7 @@
           </a:ln>
           <a:extLst>
             <a:ext uri="{C572A759-6A51-4108-AA02-DFA0A04FC94B}">
-              <ma14:wrappingTextBoxFlag xmlns="" xmlns:m="http://schemas.openxmlformats.org/officeDocument/2006/math" xmlns:a14="http://schemas.microsoft.com/office/drawing/2010/main" xmlns:ma14="http://schemas.microsoft.com/office/mac/drawingml/2011/main" val="1"/>
+              <ma14:wrappingTextBoxFlag xmlns:ma14="http://schemas.microsoft.com/office/mac/drawingml/2011/main" xmlns:a14="http://schemas.microsoft.com/office/drawing/2010/main" xmlns:m="http://schemas.openxmlformats.org/officeDocument/2006/math" xmlns="" val="1"/>
             </a:ext>
           </a:extLst>
         </p:spPr>
@@ -3235,7 +3236,7 @@
           </a:ln>
           <a:extLst>
             <a:ext uri="{C572A759-6A51-4108-AA02-DFA0A04FC94B}">
-              <ma14:wrappingTextBoxFlag xmlns="" xmlns:m="http://schemas.openxmlformats.org/officeDocument/2006/math" xmlns:a14="http://schemas.microsoft.com/office/drawing/2010/main" xmlns:ma14="http://schemas.microsoft.com/office/mac/drawingml/2011/main" val="1"/>
+              <ma14:wrappingTextBoxFlag xmlns:ma14="http://schemas.microsoft.com/office/mac/drawingml/2011/main" xmlns:a14="http://schemas.microsoft.com/office/drawing/2010/main" xmlns:m="http://schemas.openxmlformats.org/officeDocument/2006/math" xmlns="" val="1"/>
             </a:ext>
           </a:extLst>
         </p:spPr>
@@ -3374,7 +3375,7 @@
           </a:ln>
           <a:extLst>
             <a:ext uri="{C572A759-6A51-4108-AA02-DFA0A04FC94B}">
-              <ma14:wrappingTextBoxFlag xmlns="" xmlns:m="http://schemas.openxmlformats.org/officeDocument/2006/math" xmlns:a14="http://schemas.microsoft.com/office/drawing/2010/main" xmlns:ma14="http://schemas.microsoft.com/office/mac/drawingml/2011/main" val="1"/>
+              <ma14:wrappingTextBoxFlag xmlns:ma14="http://schemas.microsoft.com/office/mac/drawingml/2011/main" xmlns:a14="http://schemas.microsoft.com/office/drawing/2010/main" xmlns:m="http://schemas.openxmlformats.org/officeDocument/2006/math" xmlns="" val="1"/>
             </a:ext>
           </a:extLst>
         </p:spPr>
@@ -3516,7 +3517,7 @@
           </a:ln>
           <a:extLst>
             <a:ext uri="{C572A759-6A51-4108-AA02-DFA0A04FC94B}">
-              <ma14:wrappingTextBoxFlag xmlns="" xmlns:m="http://schemas.openxmlformats.org/officeDocument/2006/math" xmlns:a14="http://schemas.microsoft.com/office/drawing/2010/main" xmlns:ma14="http://schemas.microsoft.com/office/mac/drawingml/2011/main" val="1"/>
+              <ma14:wrappingTextBoxFlag xmlns:ma14="http://schemas.microsoft.com/office/mac/drawingml/2011/main" xmlns:a14="http://schemas.microsoft.com/office/drawing/2010/main" xmlns:m="http://schemas.openxmlformats.org/officeDocument/2006/math" xmlns="" val="1"/>
             </a:ext>
           </a:extLst>
         </p:spPr>
@@ -3561,7 +3562,7 @@
           </a:ln>
           <a:extLst>
             <a:ext uri="{C572A759-6A51-4108-AA02-DFA0A04FC94B}">
-              <ma14:wrappingTextBoxFlag xmlns="" xmlns:m="http://schemas.openxmlformats.org/officeDocument/2006/math" xmlns:a14="http://schemas.microsoft.com/office/drawing/2010/main" xmlns:ma14="http://schemas.microsoft.com/office/mac/drawingml/2011/main" val="1"/>
+              <ma14:wrappingTextBoxFlag xmlns:ma14="http://schemas.microsoft.com/office/mac/drawingml/2011/main" xmlns:a14="http://schemas.microsoft.com/office/drawing/2010/main" xmlns:m="http://schemas.openxmlformats.org/officeDocument/2006/math" xmlns="" val="1"/>
             </a:ext>
           </a:extLst>
         </p:spPr>
@@ -3633,7 +3634,7 @@
           </a:ln>
           <a:extLst>
             <a:ext uri="{C572A759-6A51-4108-AA02-DFA0A04FC94B}">
-              <ma14:wrappingTextBoxFlag xmlns="" xmlns:m="http://schemas.openxmlformats.org/officeDocument/2006/math" xmlns:a14="http://schemas.microsoft.com/office/drawing/2010/main" xmlns:ma14="http://schemas.microsoft.com/office/mac/drawingml/2011/main" val="1"/>
+              <ma14:wrappingTextBoxFlag xmlns:ma14="http://schemas.microsoft.com/office/mac/drawingml/2011/main" xmlns:a14="http://schemas.microsoft.com/office/drawing/2010/main" xmlns:m="http://schemas.openxmlformats.org/officeDocument/2006/math" xmlns="" val="1"/>
             </a:ext>
           </a:extLst>
         </p:spPr>
@@ -3680,7 +3681,7 @@
           </a:ln>
           <a:extLst>
             <a:ext uri="{C572A759-6A51-4108-AA02-DFA0A04FC94B}">
-              <ma14:wrappingTextBoxFlag xmlns="" xmlns:m="http://schemas.openxmlformats.org/officeDocument/2006/math" xmlns:a14="http://schemas.microsoft.com/office/drawing/2010/main" xmlns:ma14="http://schemas.microsoft.com/office/mac/drawingml/2011/main" val="1"/>
+              <ma14:wrappingTextBoxFlag xmlns:ma14="http://schemas.microsoft.com/office/mac/drawingml/2011/main" xmlns:a14="http://schemas.microsoft.com/office/drawing/2010/main" xmlns:m="http://schemas.openxmlformats.org/officeDocument/2006/math" xmlns="" val="1"/>
             </a:ext>
           </a:extLst>
         </p:spPr>
@@ -3801,7 +3802,7 @@
           </a:ln>
           <a:extLst>
             <a:ext uri="{C572A759-6A51-4108-AA02-DFA0A04FC94B}">
-              <ma14:wrappingTextBoxFlag xmlns="" xmlns:m="http://schemas.openxmlformats.org/officeDocument/2006/math" xmlns:a14="http://schemas.microsoft.com/office/drawing/2010/main" xmlns:ma14="http://schemas.microsoft.com/office/mac/drawingml/2011/main" val="1"/>
+              <ma14:wrappingTextBoxFlag xmlns:ma14="http://schemas.microsoft.com/office/mac/drawingml/2011/main" xmlns:a14="http://schemas.microsoft.com/office/drawing/2010/main" xmlns:m="http://schemas.openxmlformats.org/officeDocument/2006/math" xmlns="" val="1"/>
             </a:ext>
           </a:extLst>
         </p:spPr>
@@ -3854,7 +3855,7 @@
           </a:ln>
           <a:extLst>
             <a:ext uri="{C572A759-6A51-4108-AA02-DFA0A04FC94B}">
-              <ma14:wrappingTextBoxFlag xmlns="" xmlns:m="http://schemas.openxmlformats.org/officeDocument/2006/math" xmlns:a14="http://schemas.microsoft.com/office/drawing/2010/main" xmlns:ma14="http://schemas.microsoft.com/office/mac/drawingml/2011/main" val="1"/>
+              <ma14:wrappingTextBoxFlag xmlns:ma14="http://schemas.microsoft.com/office/mac/drawingml/2011/main" xmlns:a14="http://schemas.microsoft.com/office/drawing/2010/main" xmlns:m="http://schemas.openxmlformats.org/officeDocument/2006/math" xmlns="" val="1"/>
             </a:ext>
           </a:extLst>
         </p:spPr>
@@ -3924,7 +3925,7 @@
           </a:ln>
           <a:extLst>
             <a:ext uri="{C572A759-6A51-4108-AA02-DFA0A04FC94B}">
-              <ma14:wrappingTextBoxFlag xmlns="" xmlns:m="http://schemas.openxmlformats.org/officeDocument/2006/math" xmlns:a14="http://schemas.microsoft.com/office/drawing/2010/main" xmlns:ma14="http://schemas.microsoft.com/office/mac/drawingml/2011/main" val="1"/>
+              <ma14:wrappingTextBoxFlag xmlns:ma14="http://schemas.microsoft.com/office/mac/drawingml/2011/main" xmlns:a14="http://schemas.microsoft.com/office/drawing/2010/main" xmlns:m="http://schemas.openxmlformats.org/officeDocument/2006/math" xmlns="" val="1"/>
             </a:ext>
           </a:extLst>
         </p:spPr>
@@ -3977,7 +3978,7 @@
           </a:ln>
           <a:extLst>
             <a:ext uri="{C572A759-6A51-4108-AA02-DFA0A04FC94B}">
-              <ma14:wrappingTextBoxFlag xmlns="" xmlns:m="http://schemas.openxmlformats.org/officeDocument/2006/math" xmlns:a14="http://schemas.microsoft.com/office/drawing/2010/main" xmlns:ma14="http://schemas.microsoft.com/office/mac/drawingml/2011/main" val="1"/>
+              <ma14:wrappingTextBoxFlag xmlns:ma14="http://schemas.microsoft.com/office/mac/drawingml/2011/main" xmlns:a14="http://schemas.microsoft.com/office/drawing/2010/main" xmlns:m="http://schemas.openxmlformats.org/officeDocument/2006/math" xmlns="" val="1"/>
             </a:ext>
           </a:extLst>
         </p:spPr>
@@ -4096,7 +4097,7 @@
           </a:ln>
           <a:extLst>
             <a:ext uri="{C572A759-6A51-4108-AA02-DFA0A04FC94B}">
-              <ma14:wrappingTextBoxFlag xmlns="" xmlns:m="http://schemas.openxmlformats.org/officeDocument/2006/math" xmlns:a14="http://schemas.microsoft.com/office/drawing/2010/main" xmlns:ma14="http://schemas.microsoft.com/office/mac/drawingml/2011/main" val="1"/>
+              <ma14:wrappingTextBoxFlag xmlns:ma14="http://schemas.microsoft.com/office/mac/drawingml/2011/main" xmlns:a14="http://schemas.microsoft.com/office/drawing/2010/main" xmlns:m="http://schemas.openxmlformats.org/officeDocument/2006/math" xmlns="" val="1"/>
             </a:ext>
           </a:extLst>
         </p:spPr>
@@ -4141,7 +4142,7 @@
           </a:ln>
           <a:extLst>
             <a:ext uri="{C572A759-6A51-4108-AA02-DFA0A04FC94B}">
-              <ma14:wrappingTextBoxFlag xmlns="" xmlns:m="http://schemas.openxmlformats.org/officeDocument/2006/math" xmlns:a14="http://schemas.microsoft.com/office/drawing/2010/main" xmlns:ma14="http://schemas.microsoft.com/office/mac/drawingml/2011/main" val="1"/>
+              <ma14:wrappingTextBoxFlag xmlns:ma14="http://schemas.microsoft.com/office/mac/drawingml/2011/main" xmlns:a14="http://schemas.microsoft.com/office/drawing/2010/main" xmlns:m="http://schemas.openxmlformats.org/officeDocument/2006/math" xmlns="" val="1"/>
             </a:ext>
           </a:extLst>
         </p:spPr>
@@ -4186,7 +4187,7 @@
           </a:ln>
           <a:extLst>
             <a:ext uri="{C572A759-6A51-4108-AA02-DFA0A04FC94B}">
-              <ma14:wrappingTextBoxFlag xmlns="" xmlns:m="http://schemas.openxmlformats.org/officeDocument/2006/math" xmlns:a14="http://schemas.microsoft.com/office/drawing/2010/main" xmlns:ma14="http://schemas.microsoft.com/office/mac/drawingml/2011/main" val="1"/>
+              <ma14:wrappingTextBoxFlag xmlns:ma14="http://schemas.microsoft.com/office/mac/drawingml/2011/main" xmlns:a14="http://schemas.microsoft.com/office/drawing/2010/main" xmlns:m="http://schemas.openxmlformats.org/officeDocument/2006/math" xmlns="" val="1"/>
             </a:ext>
           </a:extLst>
         </p:spPr>
@@ -4237,7 +4238,7 @@
           </a:ln>
           <a:extLst>
             <a:ext uri="{C572A759-6A51-4108-AA02-DFA0A04FC94B}">
-              <ma14:wrappingTextBoxFlag xmlns="" xmlns:m="http://schemas.openxmlformats.org/officeDocument/2006/math" xmlns:a14="http://schemas.microsoft.com/office/drawing/2010/main" xmlns:ma14="http://schemas.microsoft.com/office/mac/drawingml/2011/main" val="1"/>
+              <ma14:wrappingTextBoxFlag xmlns:ma14="http://schemas.microsoft.com/office/mac/drawingml/2011/main" xmlns:a14="http://schemas.microsoft.com/office/drawing/2010/main" xmlns:m="http://schemas.openxmlformats.org/officeDocument/2006/math" xmlns="" val="1"/>
             </a:ext>
           </a:extLst>
         </p:spPr>
@@ -4445,7 +4446,7 @@
           </a:ln>
           <a:extLst>
             <a:ext uri="{C572A759-6A51-4108-AA02-DFA0A04FC94B}">
-              <ma14:wrappingTextBoxFlag xmlns="" xmlns:m="http://schemas.openxmlformats.org/officeDocument/2006/math" xmlns:a14="http://schemas.microsoft.com/office/drawing/2010/main" xmlns:ma14="http://schemas.microsoft.com/office/mac/drawingml/2011/main" val="1"/>
+              <ma14:wrappingTextBoxFlag xmlns:ma14="http://schemas.microsoft.com/office/mac/drawingml/2011/main" xmlns:a14="http://schemas.microsoft.com/office/drawing/2010/main" xmlns:m="http://schemas.openxmlformats.org/officeDocument/2006/math" xmlns="" val="1"/>
             </a:ext>
           </a:extLst>
         </p:spPr>
@@ -4490,7 +4491,7 @@
           </a:ln>
           <a:extLst>
             <a:ext uri="{C572A759-6A51-4108-AA02-DFA0A04FC94B}">
-              <ma14:wrappingTextBoxFlag xmlns="" xmlns:m="http://schemas.openxmlformats.org/officeDocument/2006/math" xmlns:a14="http://schemas.microsoft.com/office/drawing/2010/main" xmlns:ma14="http://schemas.microsoft.com/office/mac/drawingml/2011/main" val="1"/>
+              <ma14:wrappingTextBoxFlag xmlns:ma14="http://schemas.microsoft.com/office/mac/drawingml/2011/main" xmlns:a14="http://schemas.microsoft.com/office/drawing/2010/main" xmlns:m="http://schemas.openxmlformats.org/officeDocument/2006/math" xmlns="" val="1"/>
             </a:ext>
           </a:extLst>
         </p:spPr>
@@ -4554,7 +4555,7 @@
           </a:ln>
           <a:extLst>
             <a:ext uri="{C572A759-6A51-4108-AA02-DFA0A04FC94B}">
-              <ma14:wrappingTextBoxFlag xmlns="" xmlns:m="http://schemas.openxmlformats.org/officeDocument/2006/math" xmlns:a14="http://schemas.microsoft.com/office/drawing/2010/main" xmlns:ma14="http://schemas.microsoft.com/office/mac/drawingml/2011/main" val="1"/>
+              <ma14:wrappingTextBoxFlag xmlns:ma14="http://schemas.microsoft.com/office/mac/drawingml/2011/main" xmlns:a14="http://schemas.microsoft.com/office/drawing/2010/main" xmlns:m="http://schemas.openxmlformats.org/officeDocument/2006/math" xmlns="" val="1"/>
             </a:ext>
           </a:extLst>
         </p:spPr>
@@ -4605,7 +4606,7 @@
           </a:ln>
           <a:extLst>
             <a:ext uri="{C572A759-6A51-4108-AA02-DFA0A04FC94B}">
-              <ma14:wrappingTextBoxFlag xmlns="" xmlns:m="http://schemas.openxmlformats.org/officeDocument/2006/math" xmlns:a14="http://schemas.microsoft.com/office/drawing/2010/main" xmlns:ma14="http://schemas.microsoft.com/office/mac/drawingml/2011/main" val="1"/>
+              <ma14:wrappingTextBoxFlag xmlns:ma14="http://schemas.microsoft.com/office/mac/drawingml/2011/main" xmlns:a14="http://schemas.microsoft.com/office/drawing/2010/main" xmlns:m="http://schemas.openxmlformats.org/officeDocument/2006/math" xmlns="" val="1"/>
             </a:ext>
           </a:extLst>
         </p:spPr>
@@ -4760,7 +4761,7 @@
           </a:ln>
           <a:extLst>
             <a:ext uri="{C572A759-6A51-4108-AA02-DFA0A04FC94B}">
-              <ma14:wrappingTextBoxFlag xmlns="" xmlns:m="http://schemas.openxmlformats.org/officeDocument/2006/math" xmlns:a14="http://schemas.microsoft.com/office/drawing/2010/main" xmlns:ma14="http://schemas.microsoft.com/office/mac/drawingml/2011/main" val="1"/>
+              <ma14:wrappingTextBoxFlag xmlns:ma14="http://schemas.microsoft.com/office/mac/drawingml/2011/main" xmlns:a14="http://schemas.microsoft.com/office/drawing/2010/main" xmlns:m="http://schemas.openxmlformats.org/officeDocument/2006/math" xmlns="" val="1"/>
             </a:ext>
           </a:extLst>
         </p:spPr>
@@ -4838,7 +4839,7 @@
           </a:ln>
           <a:extLst>
             <a:ext uri="{C572A759-6A51-4108-AA02-DFA0A04FC94B}">
-              <ma14:wrappingTextBoxFlag xmlns="" xmlns:m="http://schemas.openxmlformats.org/officeDocument/2006/math" xmlns:a14="http://schemas.microsoft.com/office/drawing/2010/main" xmlns:ma14="http://schemas.microsoft.com/office/mac/drawingml/2011/main" val="1"/>
+              <ma14:wrappingTextBoxFlag xmlns:ma14="http://schemas.microsoft.com/office/mac/drawingml/2011/main" xmlns:a14="http://schemas.microsoft.com/office/drawing/2010/main" xmlns:m="http://schemas.openxmlformats.org/officeDocument/2006/math" xmlns="" val="1"/>
             </a:ext>
           </a:extLst>
         </p:spPr>
@@ -4982,7 +4983,7 @@
           </a:ln>
           <a:extLst>
             <a:ext uri="{C572A759-6A51-4108-AA02-DFA0A04FC94B}">
-              <ma14:wrappingTextBoxFlag xmlns="" xmlns:m="http://schemas.openxmlformats.org/officeDocument/2006/math" xmlns:a14="http://schemas.microsoft.com/office/drawing/2010/main" xmlns:ma14="http://schemas.microsoft.com/office/mac/drawingml/2011/main" val="1"/>
+              <ma14:wrappingTextBoxFlag xmlns:ma14="http://schemas.microsoft.com/office/mac/drawingml/2011/main" xmlns:a14="http://schemas.microsoft.com/office/drawing/2010/main" xmlns:m="http://schemas.openxmlformats.org/officeDocument/2006/math" xmlns="" val="1"/>
             </a:ext>
           </a:extLst>
         </p:spPr>
@@ -5027,7 +5028,7 @@
           </a:ln>
           <a:extLst>
             <a:ext uri="{C572A759-6A51-4108-AA02-DFA0A04FC94B}">
-              <ma14:wrappingTextBoxFlag xmlns="" xmlns:m="http://schemas.openxmlformats.org/officeDocument/2006/math" xmlns:a14="http://schemas.microsoft.com/office/drawing/2010/main" xmlns:ma14="http://schemas.microsoft.com/office/mac/drawingml/2011/main" val="1"/>
+              <ma14:wrappingTextBoxFlag xmlns:ma14="http://schemas.microsoft.com/office/mac/drawingml/2011/main" xmlns:a14="http://schemas.microsoft.com/office/drawing/2010/main" xmlns:m="http://schemas.openxmlformats.org/officeDocument/2006/math" xmlns="" val="1"/>
             </a:ext>
           </a:extLst>
         </p:spPr>
@@ -6443,7 +6444,7 @@
           </a:ln>
           <a:extLst>
             <a:ext uri="{C572A759-6A51-4108-AA02-DFA0A04FC94B}">
-              <ma14:wrappingTextBoxFlag xmlns="" xmlns:m="http://schemas.openxmlformats.org/officeDocument/2006/math" xmlns:a14="http://schemas.microsoft.com/office/drawing/2010/main" xmlns:ma14="http://schemas.microsoft.com/office/mac/drawingml/2011/main" val="1"/>
+              <ma14:wrappingTextBoxFlag xmlns:ma14="http://schemas.microsoft.com/office/mac/drawingml/2011/main" xmlns:a14="http://schemas.microsoft.com/office/drawing/2010/main" xmlns:m="http://schemas.openxmlformats.org/officeDocument/2006/math" xmlns="" val="1"/>
             </a:ext>
           </a:extLst>
         </p:spPr>
@@ -6490,7 +6491,7 @@
           </a:ln>
           <a:extLst>
             <a:ext uri="{C572A759-6A51-4108-AA02-DFA0A04FC94B}">
-              <ma14:wrappingTextBoxFlag xmlns="" xmlns:m="http://schemas.openxmlformats.org/officeDocument/2006/math" xmlns:a14="http://schemas.microsoft.com/office/drawing/2010/main" xmlns:ma14="http://schemas.microsoft.com/office/mac/drawingml/2011/main" val="1"/>
+              <ma14:wrappingTextBoxFlag xmlns:ma14="http://schemas.microsoft.com/office/mac/drawingml/2011/main" xmlns:a14="http://schemas.microsoft.com/office/drawing/2010/main" xmlns:m="http://schemas.openxmlformats.org/officeDocument/2006/math" xmlns="" val="1"/>
             </a:ext>
           </a:extLst>
         </p:spPr>
@@ -6668,7 +6669,7 @@
           </a:ln>
           <a:extLst>
             <a:ext uri="{C572A759-6A51-4108-AA02-DFA0A04FC94B}">
-              <ma14:wrappingTextBoxFlag xmlns="" xmlns:m="http://schemas.openxmlformats.org/officeDocument/2006/math" xmlns:a14="http://schemas.microsoft.com/office/drawing/2010/main" xmlns:ma14="http://schemas.microsoft.com/office/mac/drawingml/2011/main" val="1"/>
+              <ma14:wrappingTextBoxFlag xmlns:ma14="http://schemas.microsoft.com/office/mac/drawingml/2011/main" xmlns:a14="http://schemas.microsoft.com/office/drawing/2010/main" xmlns:m="http://schemas.openxmlformats.org/officeDocument/2006/math" xmlns="" val="1"/>
             </a:ext>
           </a:extLst>
         </p:spPr>
@@ -6713,7 +6714,7 @@
           </a:ln>
           <a:extLst>
             <a:ext uri="{C572A759-6A51-4108-AA02-DFA0A04FC94B}">
-              <ma14:wrappingTextBoxFlag xmlns="" xmlns:m="http://schemas.openxmlformats.org/officeDocument/2006/math" xmlns:a14="http://schemas.microsoft.com/office/drawing/2010/main" xmlns:ma14="http://schemas.microsoft.com/office/mac/drawingml/2011/main" val="1"/>
+              <ma14:wrappingTextBoxFlag xmlns:ma14="http://schemas.microsoft.com/office/mac/drawingml/2011/main" xmlns:a14="http://schemas.microsoft.com/office/drawing/2010/main" xmlns:m="http://schemas.openxmlformats.org/officeDocument/2006/math" xmlns="" val="1"/>
             </a:ext>
           </a:extLst>
         </p:spPr>
@@ -6796,7 +6797,7 @@
           </a:ln>
           <a:extLst>
             <a:ext uri="{C572A759-6A51-4108-AA02-DFA0A04FC94B}">
-              <ma14:wrappingTextBoxFlag xmlns="" xmlns:m="http://schemas.openxmlformats.org/officeDocument/2006/math" xmlns:a14="http://schemas.microsoft.com/office/drawing/2010/main" xmlns:ma14="http://schemas.microsoft.com/office/mac/drawingml/2011/main" val="1"/>
+              <ma14:wrappingTextBoxFlag xmlns:ma14="http://schemas.microsoft.com/office/mac/drawingml/2011/main" xmlns:a14="http://schemas.microsoft.com/office/drawing/2010/main" xmlns:m="http://schemas.openxmlformats.org/officeDocument/2006/math" xmlns="" val="1"/>
             </a:ext>
           </a:extLst>
         </p:spPr>
@@ -6842,7 +6843,7 @@
           </a:ln>
           <a:extLst>
             <a:ext uri="{C572A759-6A51-4108-AA02-DFA0A04FC94B}">
-              <ma14:wrappingTextBoxFlag xmlns="" xmlns:m="http://schemas.openxmlformats.org/officeDocument/2006/math" xmlns:a14="http://schemas.microsoft.com/office/drawing/2010/main" xmlns:ma14="http://schemas.microsoft.com/office/mac/drawingml/2011/main" val="1"/>
+              <ma14:wrappingTextBoxFlag xmlns:ma14="http://schemas.microsoft.com/office/mac/drawingml/2011/main" xmlns:a14="http://schemas.microsoft.com/office/drawing/2010/main" xmlns:m="http://schemas.openxmlformats.org/officeDocument/2006/math" xmlns="" val="1"/>
             </a:ext>
           </a:extLst>
         </p:spPr>
@@ -7050,7 +7051,7 @@
           </a:ln>
           <a:extLst>
             <a:ext uri="{C572A759-6A51-4108-AA02-DFA0A04FC94B}">
-              <ma14:wrappingTextBoxFlag xmlns="" xmlns:m="http://schemas.openxmlformats.org/officeDocument/2006/math" xmlns:a14="http://schemas.microsoft.com/office/drawing/2010/main" xmlns:ma14="http://schemas.microsoft.com/office/mac/drawingml/2011/main" val="1"/>
+              <ma14:wrappingTextBoxFlag xmlns:ma14="http://schemas.microsoft.com/office/mac/drawingml/2011/main" xmlns:a14="http://schemas.microsoft.com/office/drawing/2010/main" xmlns:m="http://schemas.openxmlformats.org/officeDocument/2006/math" xmlns="" val="1"/>
             </a:ext>
           </a:extLst>
         </p:spPr>
@@ -7099,7 +7100,7 @@
           </a:ln>
           <a:extLst>
             <a:ext uri="{C572A759-6A51-4108-AA02-DFA0A04FC94B}">
-              <ma14:wrappingTextBoxFlag xmlns="" xmlns:m="http://schemas.openxmlformats.org/officeDocument/2006/math" xmlns:a14="http://schemas.microsoft.com/office/drawing/2010/main" xmlns:ma14="http://schemas.microsoft.com/office/mac/drawingml/2011/main" val="1"/>
+              <ma14:wrappingTextBoxFlag xmlns:ma14="http://schemas.microsoft.com/office/mac/drawingml/2011/main" xmlns:a14="http://schemas.microsoft.com/office/drawing/2010/main" xmlns:m="http://schemas.openxmlformats.org/officeDocument/2006/math" xmlns="" val="1"/>
             </a:ext>
           </a:extLst>
         </p:spPr>
@@ -7149,7 +7150,7 @@
           </a:ln>
           <a:extLst>
             <a:ext uri="{C572A759-6A51-4108-AA02-DFA0A04FC94B}">
-              <ma14:wrappingTextBoxFlag xmlns="" xmlns:m="http://schemas.openxmlformats.org/officeDocument/2006/math" xmlns:a14="http://schemas.microsoft.com/office/drawing/2010/main" xmlns:ma14="http://schemas.microsoft.com/office/mac/drawingml/2011/main" val="1"/>
+              <ma14:wrappingTextBoxFlag xmlns:ma14="http://schemas.microsoft.com/office/mac/drawingml/2011/main" xmlns:a14="http://schemas.microsoft.com/office/drawing/2010/main" xmlns:m="http://schemas.openxmlformats.org/officeDocument/2006/math" xmlns="" val="1"/>
             </a:ext>
           </a:extLst>
         </p:spPr>
@@ -7195,7 +7196,7 @@
           </a:ln>
           <a:extLst>
             <a:ext uri="{C572A759-6A51-4108-AA02-DFA0A04FC94B}">
-              <ma14:wrappingTextBoxFlag xmlns="" xmlns:m="http://schemas.openxmlformats.org/officeDocument/2006/math" xmlns:a14="http://schemas.microsoft.com/office/drawing/2010/main" xmlns:ma14="http://schemas.microsoft.com/office/mac/drawingml/2011/main" val="1"/>
+              <ma14:wrappingTextBoxFlag xmlns:ma14="http://schemas.microsoft.com/office/mac/drawingml/2011/main" xmlns:a14="http://schemas.microsoft.com/office/drawing/2010/main" xmlns:m="http://schemas.openxmlformats.org/officeDocument/2006/math" xmlns="" val="1"/>
             </a:ext>
           </a:extLst>
         </p:spPr>
@@ -7409,7 +7410,7 @@
           </a:ln>
           <a:extLst>
             <a:ext uri="{C572A759-6A51-4108-AA02-DFA0A04FC94B}">
-              <ma14:wrappingTextBoxFlag xmlns="" xmlns:m="http://schemas.openxmlformats.org/officeDocument/2006/math" xmlns:a14="http://schemas.microsoft.com/office/drawing/2010/main" xmlns:ma14="http://schemas.microsoft.com/office/mac/drawingml/2011/main" val="1"/>
+              <ma14:wrappingTextBoxFlag xmlns:ma14="http://schemas.microsoft.com/office/mac/drawingml/2011/main" xmlns:a14="http://schemas.microsoft.com/office/drawing/2010/main" xmlns:m="http://schemas.openxmlformats.org/officeDocument/2006/math" xmlns="" val="1"/>
             </a:ext>
           </a:extLst>
         </p:spPr>
@@ -7458,7 +7459,7 @@
           </a:ln>
           <a:extLst>
             <a:ext uri="{C572A759-6A51-4108-AA02-DFA0A04FC94B}">
-              <ma14:wrappingTextBoxFlag xmlns="" xmlns:m="http://schemas.openxmlformats.org/officeDocument/2006/math" xmlns:a14="http://schemas.microsoft.com/office/drawing/2010/main" xmlns:ma14="http://schemas.microsoft.com/office/mac/drawingml/2011/main" val="1"/>
+              <ma14:wrappingTextBoxFlag xmlns:ma14="http://schemas.microsoft.com/office/mac/drawingml/2011/main" xmlns:a14="http://schemas.microsoft.com/office/drawing/2010/main" xmlns:m="http://schemas.openxmlformats.org/officeDocument/2006/math" xmlns="" val="1"/>
             </a:ext>
           </a:extLst>
         </p:spPr>
@@ -7508,7 +7509,7 @@
           </a:ln>
           <a:extLst>
             <a:ext uri="{C572A759-6A51-4108-AA02-DFA0A04FC94B}">
-              <ma14:wrappingTextBoxFlag xmlns="" xmlns:m="http://schemas.openxmlformats.org/officeDocument/2006/math" xmlns:a14="http://schemas.microsoft.com/office/drawing/2010/main" xmlns:ma14="http://schemas.microsoft.com/office/mac/drawingml/2011/main" val="1"/>
+              <ma14:wrappingTextBoxFlag xmlns:ma14="http://schemas.microsoft.com/office/mac/drawingml/2011/main" xmlns:a14="http://schemas.microsoft.com/office/drawing/2010/main" xmlns:m="http://schemas.openxmlformats.org/officeDocument/2006/math" xmlns="" val="1"/>
             </a:ext>
           </a:extLst>
         </p:spPr>
@@ -7554,7 +7555,7 @@
           </a:ln>
           <a:extLst>
             <a:ext uri="{C572A759-6A51-4108-AA02-DFA0A04FC94B}">
-              <ma14:wrappingTextBoxFlag xmlns="" xmlns:m="http://schemas.openxmlformats.org/officeDocument/2006/math" xmlns:a14="http://schemas.microsoft.com/office/drawing/2010/main" xmlns:ma14="http://schemas.microsoft.com/office/mac/drawingml/2011/main" val="1"/>
+              <ma14:wrappingTextBoxFlag xmlns:ma14="http://schemas.microsoft.com/office/mac/drawingml/2011/main" xmlns:a14="http://schemas.microsoft.com/office/drawing/2010/main" xmlns:m="http://schemas.openxmlformats.org/officeDocument/2006/math" xmlns="" val="1"/>
             </a:ext>
           </a:extLst>
         </p:spPr>
@@ -7768,7 +7769,7 @@
           </a:ln>
           <a:extLst>
             <a:ext uri="{C572A759-6A51-4108-AA02-DFA0A04FC94B}">
-              <ma14:wrappingTextBoxFlag xmlns="" xmlns:m="http://schemas.openxmlformats.org/officeDocument/2006/math" xmlns:a14="http://schemas.microsoft.com/office/drawing/2010/main" xmlns:ma14="http://schemas.microsoft.com/office/mac/drawingml/2011/main" val="1"/>
+              <ma14:wrappingTextBoxFlag xmlns:ma14="http://schemas.microsoft.com/office/mac/drawingml/2011/main" xmlns:a14="http://schemas.microsoft.com/office/drawing/2010/main" xmlns:m="http://schemas.openxmlformats.org/officeDocument/2006/math" xmlns="" val="1"/>
             </a:ext>
           </a:extLst>
         </p:spPr>
@@ -7813,7 +7814,7 @@
           </a:ln>
           <a:extLst>
             <a:ext uri="{C572A759-6A51-4108-AA02-DFA0A04FC94B}">
-              <ma14:wrappingTextBoxFlag xmlns="" xmlns:m="http://schemas.openxmlformats.org/officeDocument/2006/math" xmlns:a14="http://schemas.microsoft.com/office/drawing/2010/main" xmlns:ma14="http://schemas.microsoft.com/office/mac/drawingml/2011/main" val="1"/>
+              <ma14:wrappingTextBoxFlag xmlns:ma14="http://schemas.microsoft.com/office/mac/drawingml/2011/main" xmlns:a14="http://schemas.microsoft.com/office/drawing/2010/main" xmlns:m="http://schemas.openxmlformats.org/officeDocument/2006/math" xmlns="" val="1"/>
             </a:ext>
           </a:extLst>
         </p:spPr>
@@ -8025,7 +8026,7 @@
           </a:ln>
           <a:extLst>
             <a:ext uri="{C572A759-6A51-4108-AA02-DFA0A04FC94B}">
-              <ma14:wrappingTextBoxFlag xmlns="" xmlns:m="http://schemas.openxmlformats.org/officeDocument/2006/math" xmlns:a14="http://schemas.microsoft.com/office/drawing/2010/main" xmlns:ma14="http://schemas.microsoft.com/office/mac/drawingml/2011/main" val="1"/>
+              <ma14:wrappingTextBoxFlag xmlns:ma14="http://schemas.microsoft.com/office/mac/drawingml/2011/main" xmlns:a14="http://schemas.microsoft.com/office/drawing/2010/main" xmlns:m="http://schemas.openxmlformats.org/officeDocument/2006/math" xmlns="" val="1"/>
             </a:ext>
           </a:extLst>
         </p:spPr>
@@ -8075,7 +8076,7 @@
           </a:ln>
           <a:extLst>
             <a:ext uri="{C572A759-6A51-4108-AA02-DFA0A04FC94B}">
-              <ma14:wrappingTextBoxFlag xmlns="" xmlns:m="http://schemas.openxmlformats.org/officeDocument/2006/math" xmlns:a14="http://schemas.microsoft.com/office/drawing/2010/main" xmlns:ma14="http://schemas.microsoft.com/office/mac/drawingml/2011/main" val="1"/>
+              <ma14:wrappingTextBoxFlag xmlns:ma14="http://schemas.microsoft.com/office/mac/drawingml/2011/main" xmlns:a14="http://schemas.microsoft.com/office/drawing/2010/main" xmlns:m="http://schemas.openxmlformats.org/officeDocument/2006/math" xmlns="" val="1"/>
             </a:ext>
           </a:extLst>
         </p:spPr>
@@ -8342,7 +8343,7 @@
           </a:ln>
           <a:extLst>
             <a:ext uri="{C572A759-6A51-4108-AA02-DFA0A04FC94B}">
-              <ma14:wrappingTextBoxFlag xmlns="" xmlns:m="http://schemas.openxmlformats.org/officeDocument/2006/math" xmlns:a14="http://schemas.microsoft.com/office/drawing/2010/main" xmlns:ma14="http://schemas.microsoft.com/office/mac/drawingml/2011/main" val="1"/>
+              <ma14:wrappingTextBoxFlag xmlns:ma14="http://schemas.microsoft.com/office/mac/drawingml/2011/main" xmlns:a14="http://schemas.microsoft.com/office/drawing/2010/main" xmlns:m="http://schemas.openxmlformats.org/officeDocument/2006/math" xmlns="" val="1"/>
             </a:ext>
           </a:extLst>
         </p:spPr>
@@ -8387,7 +8388,7 @@
           </a:ln>
           <a:extLst>
             <a:ext uri="{C572A759-6A51-4108-AA02-DFA0A04FC94B}">
-              <ma14:wrappingTextBoxFlag xmlns="" xmlns:m="http://schemas.openxmlformats.org/officeDocument/2006/math" xmlns:a14="http://schemas.microsoft.com/office/drawing/2010/main" xmlns:ma14="http://schemas.microsoft.com/office/mac/drawingml/2011/main" val="1"/>
+              <ma14:wrappingTextBoxFlag xmlns:ma14="http://schemas.microsoft.com/office/mac/drawingml/2011/main" xmlns:a14="http://schemas.microsoft.com/office/drawing/2010/main" xmlns:m="http://schemas.openxmlformats.org/officeDocument/2006/math" xmlns="" val="1"/>
             </a:ext>
           </a:extLst>
         </p:spPr>
@@ -8441,7 +8442,7 @@
           </a:ln>
           <a:extLst>
             <a:ext uri="{C572A759-6A51-4108-AA02-DFA0A04FC94B}">
-              <ma14:wrappingTextBoxFlag xmlns="" xmlns:m="http://schemas.openxmlformats.org/officeDocument/2006/math" xmlns:a14="http://schemas.microsoft.com/office/drawing/2010/main" xmlns:ma14="http://schemas.microsoft.com/office/mac/drawingml/2011/main" val="1"/>
+              <ma14:wrappingTextBoxFlag xmlns:ma14="http://schemas.microsoft.com/office/mac/drawingml/2011/main" xmlns:a14="http://schemas.microsoft.com/office/drawing/2010/main" xmlns:m="http://schemas.openxmlformats.org/officeDocument/2006/math" xmlns="" val="1"/>
             </a:ext>
           </a:extLst>
         </p:spPr>
@@ -8484,7 +8485,7 @@
           </a:ln>
           <a:extLst>
             <a:ext uri="{C572A759-6A51-4108-AA02-DFA0A04FC94B}">
-              <ma14:wrappingTextBoxFlag xmlns="" xmlns:m="http://schemas.openxmlformats.org/officeDocument/2006/math" xmlns:a14="http://schemas.microsoft.com/office/drawing/2010/main" xmlns:ma14="http://schemas.microsoft.com/office/mac/drawingml/2011/main" val="1"/>
+              <ma14:wrappingTextBoxFlag xmlns:ma14="http://schemas.microsoft.com/office/mac/drawingml/2011/main" xmlns:a14="http://schemas.microsoft.com/office/drawing/2010/main" xmlns:m="http://schemas.openxmlformats.org/officeDocument/2006/math" xmlns="" val="1"/>
             </a:ext>
           </a:extLst>
         </p:spPr>
@@ -8709,7 +8710,7 @@
           </a:ln>
           <a:extLst>
             <a:ext uri="{C572A759-6A51-4108-AA02-DFA0A04FC94B}">
-              <ma14:wrappingTextBoxFlag xmlns="" xmlns:m="http://schemas.openxmlformats.org/officeDocument/2006/math" xmlns:a14="http://schemas.microsoft.com/office/drawing/2010/main" xmlns:ma14="http://schemas.microsoft.com/office/mac/drawingml/2011/main" val="1"/>
+              <ma14:wrappingTextBoxFlag xmlns:ma14="http://schemas.microsoft.com/office/mac/drawingml/2011/main" xmlns:a14="http://schemas.microsoft.com/office/drawing/2010/main" xmlns:m="http://schemas.openxmlformats.org/officeDocument/2006/math" xmlns="" val="1"/>
             </a:ext>
           </a:extLst>
         </p:spPr>
@@ -8754,7 +8755,7 @@
           </a:ln>
           <a:extLst>
             <a:ext uri="{C572A759-6A51-4108-AA02-DFA0A04FC94B}">
-              <ma14:wrappingTextBoxFlag xmlns="" xmlns:m="http://schemas.openxmlformats.org/officeDocument/2006/math" xmlns:a14="http://schemas.microsoft.com/office/drawing/2010/main" xmlns:ma14="http://schemas.microsoft.com/office/mac/drawingml/2011/main" val="1"/>
+              <ma14:wrappingTextBoxFlag xmlns:ma14="http://schemas.microsoft.com/office/mac/drawingml/2011/main" xmlns:a14="http://schemas.microsoft.com/office/drawing/2010/main" xmlns:m="http://schemas.openxmlformats.org/officeDocument/2006/math" xmlns="" val="1"/>
             </a:ext>
           </a:extLst>
         </p:spPr>
@@ -9109,7 +9110,7 @@
           </a:ln>
           <a:extLst>
             <a:ext uri="{C572A759-6A51-4108-AA02-DFA0A04FC94B}">
-              <ma14:wrappingTextBoxFlag xmlns="" xmlns:m="http://schemas.openxmlformats.org/officeDocument/2006/math" xmlns:a14="http://schemas.microsoft.com/office/drawing/2010/main" xmlns:ma14="http://schemas.microsoft.com/office/mac/drawingml/2011/main" val="1"/>
+              <ma14:wrappingTextBoxFlag xmlns:ma14="http://schemas.microsoft.com/office/mac/drawingml/2011/main" xmlns:a14="http://schemas.microsoft.com/office/drawing/2010/main" xmlns:m="http://schemas.openxmlformats.org/officeDocument/2006/math" xmlns="" val="1"/>
             </a:ext>
           </a:extLst>
         </p:spPr>
@@ -9152,7 +9153,7 @@
           </a:ln>
           <a:extLst>
             <a:ext uri="{C572A759-6A51-4108-AA02-DFA0A04FC94B}">
-              <ma14:wrappingTextBoxFlag xmlns="" xmlns:m="http://schemas.openxmlformats.org/officeDocument/2006/math" xmlns:a14="http://schemas.microsoft.com/office/drawing/2010/main" xmlns:ma14="http://schemas.microsoft.com/office/mac/drawingml/2011/main" val="1"/>
+              <ma14:wrappingTextBoxFlag xmlns:ma14="http://schemas.microsoft.com/office/mac/drawingml/2011/main" xmlns:a14="http://schemas.microsoft.com/office/drawing/2010/main" xmlns:m="http://schemas.openxmlformats.org/officeDocument/2006/math" xmlns="" val="1"/>
             </a:ext>
           </a:extLst>
         </p:spPr>
@@ -9330,7 +9331,7 @@
           </a:ln>
           <a:extLst>
             <a:ext uri="{C572A759-6A51-4108-AA02-DFA0A04FC94B}">
-              <ma14:wrappingTextBoxFlag xmlns="" xmlns:m="http://schemas.openxmlformats.org/officeDocument/2006/math" xmlns:a14="http://schemas.microsoft.com/office/drawing/2010/main" xmlns:ma14="http://schemas.microsoft.com/office/mac/drawingml/2011/main" val="1"/>
+              <ma14:wrappingTextBoxFlag xmlns:ma14="http://schemas.microsoft.com/office/mac/drawingml/2011/main" xmlns:a14="http://schemas.microsoft.com/office/drawing/2010/main" xmlns:m="http://schemas.openxmlformats.org/officeDocument/2006/math" xmlns="" val="1"/>
             </a:ext>
           </a:extLst>
         </p:spPr>
@@ -9376,7 +9377,7 @@
           </a:ln>
           <a:extLst>
             <a:ext uri="{C572A759-6A51-4108-AA02-DFA0A04FC94B}">
-              <ma14:wrappingTextBoxFlag xmlns="" xmlns:m="http://schemas.openxmlformats.org/officeDocument/2006/math" xmlns:a14="http://schemas.microsoft.com/office/drawing/2010/main" xmlns:ma14="http://schemas.microsoft.com/office/mac/drawingml/2011/main" val="1"/>
+              <ma14:wrappingTextBoxFlag xmlns:ma14="http://schemas.microsoft.com/office/mac/drawingml/2011/main" xmlns:a14="http://schemas.microsoft.com/office/drawing/2010/main" xmlns:m="http://schemas.openxmlformats.org/officeDocument/2006/math" xmlns="" val="1"/>
             </a:ext>
           </a:extLst>
         </p:spPr>
@@ -9440,7 +9441,7 @@
           </a:ln>
           <a:extLst>
             <a:ext uri="{C572A759-6A51-4108-AA02-DFA0A04FC94B}">
-              <ma14:wrappingTextBoxFlag xmlns="" xmlns:m="http://schemas.openxmlformats.org/officeDocument/2006/math" xmlns:a14="http://schemas.microsoft.com/office/drawing/2010/main" xmlns:ma14="http://schemas.microsoft.com/office/mac/drawingml/2011/main" val="1"/>
+              <ma14:wrappingTextBoxFlag xmlns:ma14="http://schemas.microsoft.com/office/mac/drawingml/2011/main" xmlns:a14="http://schemas.microsoft.com/office/drawing/2010/main" xmlns:m="http://schemas.openxmlformats.org/officeDocument/2006/math" xmlns="" val="1"/>
             </a:ext>
           </a:extLst>
         </p:spPr>
@@ -9487,7 +9488,7 @@
           </a:ln>
           <a:extLst>
             <a:ext uri="{C572A759-6A51-4108-AA02-DFA0A04FC94B}">
-              <ma14:wrappingTextBoxFlag xmlns="" xmlns:m="http://schemas.openxmlformats.org/officeDocument/2006/math" xmlns:a14="http://schemas.microsoft.com/office/drawing/2010/main" xmlns:ma14="http://schemas.microsoft.com/office/mac/drawingml/2011/main" val="1"/>
+              <ma14:wrappingTextBoxFlag xmlns:ma14="http://schemas.microsoft.com/office/mac/drawingml/2011/main" xmlns:a14="http://schemas.microsoft.com/office/drawing/2010/main" xmlns:m="http://schemas.openxmlformats.org/officeDocument/2006/math" xmlns="" val="1"/>
             </a:ext>
           </a:extLst>
         </p:spPr>
@@ -9665,7 +9666,7 @@
           </a:ln>
           <a:extLst>
             <a:ext uri="{C572A759-6A51-4108-AA02-DFA0A04FC94B}">
-              <ma14:wrappingTextBoxFlag xmlns="" xmlns:m="http://schemas.openxmlformats.org/officeDocument/2006/math" xmlns:a14="http://schemas.microsoft.com/office/drawing/2010/main" xmlns:ma14="http://schemas.microsoft.com/office/mac/drawingml/2011/main" val="1"/>
+              <ma14:wrappingTextBoxFlag xmlns:ma14="http://schemas.microsoft.com/office/mac/drawingml/2011/main" xmlns:a14="http://schemas.microsoft.com/office/drawing/2010/main" xmlns:m="http://schemas.openxmlformats.org/officeDocument/2006/math" xmlns="" val="1"/>
             </a:ext>
           </a:extLst>
         </p:spPr>
@@ -9710,7 +9711,7 @@
           </a:ln>
           <a:extLst>
             <a:ext uri="{C572A759-6A51-4108-AA02-DFA0A04FC94B}">
-              <ma14:wrappingTextBoxFlag xmlns="" xmlns:m="http://schemas.openxmlformats.org/officeDocument/2006/math" xmlns:a14="http://schemas.microsoft.com/office/drawing/2010/main" xmlns:ma14="http://schemas.microsoft.com/office/mac/drawingml/2011/main" val="1"/>
+              <ma14:wrappingTextBoxFlag xmlns:ma14="http://schemas.microsoft.com/office/mac/drawingml/2011/main" xmlns:a14="http://schemas.microsoft.com/office/drawing/2010/main" xmlns:m="http://schemas.openxmlformats.org/officeDocument/2006/math" xmlns="" val="1"/>
             </a:ext>
           </a:extLst>
         </p:spPr>
@@ -10137,7 +10138,7 @@
           </a:ln>
           <a:extLst>
             <a:ext uri="{C572A759-6A51-4108-AA02-DFA0A04FC94B}">
-              <ma14:wrappingTextBoxFlag xmlns="" xmlns:m="http://schemas.openxmlformats.org/officeDocument/2006/math" xmlns:a14="http://schemas.microsoft.com/office/drawing/2010/main" xmlns:ma14="http://schemas.microsoft.com/office/mac/drawingml/2011/main" val="1"/>
+              <ma14:wrappingTextBoxFlag xmlns:ma14="http://schemas.microsoft.com/office/mac/drawingml/2011/main" xmlns:a14="http://schemas.microsoft.com/office/drawing/2010/main" xmlns:m="http://schemas.openxmlformats.org/officeDocument/2006/math" xmlns="" val="1"/>
             </a:ext>
           </a:extLst>
         </p:spPr>
@@ -10180,7 +10181,7 @@
           </a:ln>
           <a:extLst>
             <a:ext uri="{C572A759-6A51-4108-AA02-DFA0A04FC94B}">
-              <ma14:wrappingTextBoxFlag xmlns="" xmlns:m="http://schemas.openxmlformats.org/officeDocument/2006/math" xmlns:a14="http://schemas.microsoft.com/office/drawing/2010/main" xmlns:ma14="http://schemas.microsoft.com/office/mac/drawingml/2011/main" val="1"/>
+              <ma14:wrappingTextBoxFlag xmlns:ma14="http://schemas.microsoft.com/office/mac/drawingml/2011/main" xmlns:a14="http://schemas.microsoft.com/office/drawing/2010/main" xmlns:m="http://schemas.openxmlformats.org/officeDocument/2006/math" xmlns="" val="1"/>
             </a:ext>
           </a:extLst>
         </p:spPr>
@@ -10309,14 +10310,46 @@
       </p:grpSpPr>
       <p:sp>
         <p:nvSpPr>
-          <p:cNvPr id="100" name="Адрес: ТехтТехтТехтТехтТехтТехтТехтТехтТехтТехтТехтТехтТехт"/>
+          <p:cNvPr id="58" name="Линия"/>
+          <p:cNvSpPr/>
+          <p:nvPr/>
+        </p:nvSpPr>
+        <p:spPr>
+          <a:xfrm>
+            <a:off x="1201065" y="2214562"/>
+            <a:ext cx="21506373" cy="1"/>
+          </a:xfrm>
+          <a:prstGeom prst="line">
+            <a:avLst/>
+          </a:prstGeom>
+          <a:ln w="12700">
+            <a:solidFill>
+              <a:srgbClr val="253957"/>
+            </a:solidFill>
+            <a:miter lim="400000"/>
+          </a:ln>
+        </p:spPr>
+        <p:txBody>
+          <a:bodyPr lIns="71437" tIns="71437" rIns="71437" bIns="71437" anchor="ctr"/>
+          <a:lstStyle/>
+          <a:p>
+            <a:pPr>
+              <a:defRPr sz="3200"/>
+            </a:pPr>
+            <a:endParaRPr/>
+          </a:p>
+        </p:txBody>
+      </p:sp>
+      <p:sp>
+        <p:nvSpPr>
+          <p:cNvPr id="59" name="Очень крутой заголовок…"/>
           <p:cNvSpPr txBox="1"/>
           <p:nvPr/>
         </p:nvSpPr>
         <p:spPr>
           <a:xfrm>
-            <a:off x="5639272" y="11466512"/>
-            <a:ext cx="13105456" cy="513601"/>
+            <a:off x="1209449" y="2972786"/>
+            <a:ext cx="16073440" cy="2313227"/>
           </a:xfrm>
           <a:prstGeom prst="rect">
             <a:avLst/>
@@ -10326,7 +10359,963 @@
           </a:ln>
           <a:extLst>
             <a:ext uri="{C572A759-6A51-4108-AA02-DFA0A04FC94B}">
-              <ma14:wrappingTextBoxFlag xmlns="" xmlns:m="http://schemas.openxmlformats.org/officeDocument/2006/math" xmlns:a14="http://schemas.microsoft.com/office/drawing/2010/main" xmlns:ma14="http://schemas.microsoft.com/office/mac/drawingml/2011/main" val="1"/>
+              <ma14:wrappingTextBoxFlag xmlns:ma14="http://schemas.microsoft.com/office/mac/drawingml/2011/main" xmlns:a14="http://schemas.microsoft.com/office/drawing/2010/main" xmlns:m="http://schemas.openxmlformats.org/officeDocument/2006/math" xmlns="" val="1"/>
+            </a:ext>
+          </a:extLst>
+        </p:spPr>
+        <p:txBody>
+          <a:bodyPr lIns="71437" tIns="71437" rIns="71437" bIns="71437"/>
+          <a:lstStyle/>
+          <a:p>
+            <a:pPr algn="l">
+              <a:defRPr sz="7000" b="1" cap="all">
+                <a:solidFill>
+                  <a:srgbClr val="253957"/>
+                </a:solidFill>
+                <a:latin typeface="+mn-lt"/>
+                <a:ea typeface="+mn-ea"/>
+                <a:cs typeface="+mn-cs"/>
+                <a:sym typeface="Arial Narrow"/>
+              </a:defRPr>
+            </a:pPr>
+            <a:r>
+              <a:rPr lang="ru-RU" dirty="0"/>
+              <a:t>Список литературы</a:t>
+            </a:r>
+          </a:p>
+        </p:txBody>
+      </p:sp>
+      <p:sp>
+        <p:nvSpPr>
+          <p:cNvPr id="60" name="Text Text Text Text Text Text Text Text Text Text Text Text Text Text Text Text Text Text Text Text Text Text Text Text Text Text Text Text Text Text Text Text Text Text Text Text Text Text Text Text Text Text Text Text Text Text Text Text Text Text Text Text Text Text Text Text Text Text Text Text Text Text Text Text Text Text Text Text Text Text Text Text Text Text Text Text Text Text Text Text Text Text Text Text Text Text Text Text Text Text Text Text Text Text Text Text Text Text Text Text Text Text Text Text Text Text Text Text…"/>
+          <p:cNvSpPr txBox="1"/>
+          <p:nvPr/>
+        </p:nvSpPr>
+        <p:spPr>
+          <a:xfrm>
+            <a:off x="1182627" y="3977680"/>
+            <a:ext cx="21506374" cy="8496944"/>
+          </a:xfrm>
+          <a:prstGeom prst="rect">
+            <a:avLst/>
+          </a:prstGeom>
+          <a:ln w="12700">
+            <a:miter lim="400000"/>
+          </a:ln>
+          <a:extLst>
+            <a:ext uri="{C572A759-6A51-4108-AA02-DFA0A04FC94B}">
+              <ma14:wrappingTextBoxFlag xmlns:ma14="http://schemas.microsoft.com/office/mac/drawingml/2011/main" xmlns:a14="http://schemas.microsoft.com/office/drawing/2010/main" xmlns:m="http://schemas.openxmlformats.org/officeDocument/2006/math" xmlns="" val="1"/>
+            </a:ext>
+          </a:extLst>
+        </p:spPr>
+        <p:txBody>
+          <a:bodyPr lIns="71437" tIns="71437" rIns="71437" bIns="71437"/>
+          <a:lstStyle/>
+          <a:p>
+            <a:pPr marL="514350" indent="-514350" algn="l">
+              <a:spcBef>
+                <a:spcPts val="1800"/>
+              </a:spcBef>
+              <a:buFont typeface="+mj-lt"/>
+              <a:buAutoNum type="arabicPeriod"/>
+              <a:defRPr sz="2800">
+                <a:solidFill>
+                  <a:srgbClr val="253957"/>
+                </a:solidFill>
+                <a:latin typeface="+mn-lt"/>
+                <a:ea typeface="+mn-ea"/>
+                <a:cs typeface="+mn-cs"/>
+                <a:sym typeface="Arial Narrow"/>
+              </a:defRPr>
+            </a:pPr>
+            <a:r>
+              <a:rPr lang="ru-RU" sz="2800" dirty="0">
+                <a:solidFill>
+                  <a:srgbClr val="253957"/>
+                </a:solidFill>
+                <a:cs typeface="Courier New" panose="02070309020205020404" pitchFamily="49" charset="0"/>
+                <a:sym typeface="Arial Narrow"/>
+              </a:rPr>
+              <a:t>Википедия – свободная энциклопедия [Электронный ресурс] // </a:t>
+            </a:r>
+            <a:r>
+              <a:rPr lang="en-US" sz="2800" dirty="0">
+                <a:solidFill>
+                  <a:srgbClr val="253957"/>
+                </a:solidFill>
+                <a:cs typeface="Courier New" panose="02070309020205020404" pitchFamily="49" charset="0"/>
+                <a:sym typeface="Arial Narrow"/>
+              </a:rPr>
+              <a:t>URL: https://ru.wikipedia.org/wiki/</a:t>
+            </a:r>
+            <a:r>
+              <a:rPr lang="ru-RU" sz="2800" dirty="0" err="1">
+                <a:solidFill>
+                  <a:srgbClr val="253957"/>
+                </a:solidFill>
+                <a:cs typeface="Courier New" panose="02070309020205020404" pitchFamily="49" charset="0"/>
+                <a:sym typeface="Arial Narrow"/>
+              </a:rPr>
+              <a:t>Заглавная_страница</a:t>
+            </a:r>
+            <a:r>
+              <a:rPr lang="ru-RU" sz="2800" dirty="0">
+                <a:solidFill>
+                  <a:srgbClr val="253957"/>
+                </a:solidFill>
+                <a:cs typeface="Courier New" panose="02070309020205020404" pitchFamily="49" charset="0"/>
+                <a:sym typeface="Arial Narrow"/>
+              </a:rPr>
+              <a:t> (Дата обращения 29.11.19, режим доступа: свободный).</a:t>
+            </a:r>
+          </a:p>
+          <a:p>
+            <a:pPr marL="514350" indent="-514350" algn="l">
+              <a:spcBef>
+                <a:spcPts val="1800"/>
+              </a:spcBef>
+              <a:buFont typeface="+mj-lt"/>
+              <a:buAutoNum type="arabicPeriod"/>
+              <a:defRPr sz="2800">
+                <a:solidFill>
+                  <a:srgbClr val="253957"/>
+                </a:solidFill>
+                <a:latin typeface="+mn-lt"/>
+                <a:ea typeface="+mn-ea"/>
+                <a:cs typeface="+mn-cs"/>
+                <a:sym typeface="Arial Narrow"/>
+              </a:defRPr>
+            </a:pPr>
+            <a:r>
+              <a:rPr lang="en-US" sz="2800" dirty="0">
+                <a:solidFill>
+                  <a:srgbClr val="253957"/>
+                </a:solidFill>
+                <a:cs typeface="Courier New" panose="02070309020205020404" pitchFamily="49" charset="0"/>
+                <a:sym typeface="Arial Narrow"/>
+              </a:rPr>
+              <a:t>IntelliJ IDEA Platform SDK Guide [</a:t>
+            </a:r>
+            <a:r>
+              <a:rPr lang="ru-RU" sz="2800" dirty="0">
+                <a:solidFill>
+                  <a:srgbClr val="253957"/>
+                </a:solidFill>
+                <a:cs typeface="Courier New" panose="02070309020205020404" pitchFamily="49" charset="0"/>
+                <a:sym typeface="Arial Narrow"/>
+              </a:rPr>
+              <a:t>Электронный ресурс] // </a:t>
+            </a:r>
+            <a:r>
+              <a:rPr lang="en-US" sz="2800" dirty="0">
+                <a:solidFill>
+                  <a:srgbClr val="253957"/>
+                </a:solidFill>
+                <a:cs typeface="Courier New" panose="02070309020205020404" pitchFamily="49" charset="0"/>
+                <a:sym typeface="Arial Narrow"/>
+              </a:rPr>
+              <a:t>URL: http://www.jetbrains.org/intellij/sdk/docs/welcome.html (</a:t>
+            </a:r>
+            <a:r>
+              <a:rPr lang="ru-RU" sz="2800" dirty="0">
+                <a:solidFill>
+                  <a:srgbClr val="253957"/>
+                </a:solidFill>
+                <a:cs typeface="Courier New" panose="02070309020205020404" pitchFamily="49" charset="0"/>
+                <a:sym typeface="Arial Narrow"/>
+              </a:rPr>
+              <a:t>Дата обращения 29.11.19, режим доступа: свободный).</a:t>
+            </a:r>
+          </a:p>
+          <a:p>
+            <a:pPr marL="514350" indent="-514350" algn="l">
+              <a:spcBef>
+                <a:spcPts val="1800"/>
+              </a:spcBef>
+              <a:buFont typeface="+mj-lt"/>
+              <a:buAutoNum type="arabicPeriod"/>
+              <a:defRPr sz="2800">
+                <a:solidFill>
+                  <a:srgbClr val="253957"/>
+                </a:solidFill>
+                <a:latin typeface="+mn-lt"/>
+                <a:ea typeface="+mn-ea"/>
+                <a:cs typeface="+mn-cs"/>
+                <a:sym typeface="Arial Narrow"/>
+              </a:defRPr>
+            </a:pPr>
+            <a:r>
+              <a:rPr lang="en-US" sz="2800" dirty="0">
+                <a:solidFill>
+                  <a:srgbClr val="253957"/>
+                </a:solidFill>
+                <a:cs typeface="Courier New" panose="02070309020205020404" pitchFamily="49" charset="0"/>
+                <a:sym typeface="Arial Narrow"/>
+              </a:rPr>
+              <a:t>Java Platform Standard Edition 8 Documentation [</a:t>
+            </a:r>
+            <a:r>
+              <a:rPr lang="ru-RU" sz="2800" dirty="0">
+                <a:solidFill>
+                  <a:srgbClr val="253957"/>
+                </a:solidFill>
+                <a:cs typeface="Courier New" panose="02070309020205020404" pitchFamily="49" charset="0"/>
+                <a:sym typeface="Arial Narrow"/>
+              </a:rPr>
+              <a:t>Электронный ресурс] // </a:t>
+            </a:r>
+            <a:r>
+              <a:rPr lang="en-US" sz="2800" dirty="0">
+                <a:solidFill>
+                  <a:srgbClr val="253957"/>
+                </a:solidFill>
+                <a:cs typeface="Courier New" panose="02070309020205020404" pitchFamily="49" charset="0"/>
+                <a:sym typeface="Arial Narrow"/>
+              </a:rPr>
+              <a:t>URL: https://docs.oracle.com/javase/8/docs/ (</a:t>
+            </a:r>
+            <a:r>
+              <a:rPr lang="ru-RU" sz="2800" dirty="0">
+                <a:solidFill>
+                  <a:srgbClr val="253957"/>
+                </a:solidFill>
+                <a:cs typeface="Courier New" panose="02070309020205020404" pitchFamily="49" charset="0"/>
+                <a:sym typeface="Arial Narrow"/>
+              </a:rPr>
+              <a:t>Дата обращения 29.11.19, режим доступа: свободный).</a:t>
+            </a:r>
+          </a:p>
+          <a:p>
+            <a:pPr marL="514350" indent="-514350" algn="l">
+              <a:spcBef>
+                <a:spcPts val="1800"/>
+              </a:spcBef>
+              <a:buFont typeface="+mj-lt"/>
+              <a:buAutoNum type="arabicPeriod"/>
+              <a:defRPr sz="2800">
+                <a:solidFill>
+                  <a:srgbClr val="253957"/>
+                </a:solidFill>
+                <a:latin typeface="+mn-lt"/>
+                <a:ea typeface="+mn-ea"/>
+                <a:cs typeface="+mn-cs"/>
+                <a:sym typeface="Arial Narrow"/>
+              </a:defRPr>
+            </a:pPr>
+            <a:r>
+              <a:rPr lang="en-US" sz="2800" dirty="0">
+                <a:solidFill>
+                  <a:srgbClr val="253957"/>
+                </a:solidFill>
+                <a:cs typeface="Courier New" panose="02070309020205020404" pitchFamily="49" charset="0"/>
+                <a:sym typeface="Arial Narrow"/>
+              </a:rPr>
+              <a:t>IntelliJ Platform UI Guidelines [</a:t>
+            </a:r>
+            <a:r>
+              <a:rPr lang="ru-RU" sz="2800" dirty="0">
+                <a:solidFill>
+                  <a:srgbClr val="253957"/>
+                </a:solidFill>
+                <a:cs typeface="Courier New" panose="02070309020205020404" pitchFamily="49" charset="0"/>
+                <a:sym typeface="Arial Narrow"/>
+              </a:rPr>
+              <a:t>Электронный ресурс] // </a:t>
+            </a:r>
+            <a:r>
+              <a:rPr lang="en-US" sz="2800" dirty="0">
+                <a:solidFill>
+                  <a:srgbClr val="253957"/>
+                </a:solidFill>
+                <a:cs typeface="Courier New" panose="02070309020205020404" pitchFamily="49" charset="0"/>
+                <a:sym typeface="Arial Narrow"/>
+              </a:rPr>
+              <a:t>URL: https://jetbrains.design/intellij/ (</a:t>
+            </a:r>
+            <a:r>
+              <a:rPr lang="ru-RU" sz="2800" dirty="0">
+                <a:solidFill>
+                  <a:srgbClr val="253957"/>
+                </a:solidFill>
+                <a:cs typeface="Courier New" panose="02070309020205020404" pitchFamily="49" charset="0"/>
+                <a:sym typeface="Arial Narrow"/>
+              </a:rPr>
+              <a:t>Дата обращения 20.04ю2020, режим доступа: свободный).</a:t>
+            </a:r>
+          </a:p>
+          <a:p>
+            <a:pPr marL="514350" indent="-514350" algn="l">
+              <a:spcBef>
+                <a:spcPts val="1800"/>
+              </a:spcBef>
+              <a:buFont typeface="+mj-lt"/>
+              <a:buAutoNum type="arabicPeriod"/>
+              <a:defRPr sz="2800">
+                <a:solidFill>
+                  <a:srgbClr val="253957"/>
+                </a:solidFill>
+                <a:latin typeface="+mn-lt"/>
+                <a:ea typeface="+mn-ea"/>
+                <a:cs typeface="+mn-cs"/>
+                <a:sym typeface="Arial Narrow"/>
+              </a:defRPr>
+            </a:pPr>
+            <a:r>
+              <a:rPr lang="en-US" sz="2800" dirty="0">
+                <a:solidFill>
+                  <a:srgbClr val="253957"/>
+                </a:solidFill>
+                <a:cs typeface="Courier New" panose="02070309020205020404" pitchFamily="49" charset="0"/>
+                <a:sym typeface="Arial Narrow"/>
+              </a:rPr>
+              <a:t>Open API IntelliJ Repository [</a:t>
+            </a:r>
+            <a:r>
+              <a:rPr lang="ru-RU" sz="2800" dirty="0">
+                <a:solidFill>
+                  <a:srgbClr val="253957"/>
+                </a:solidFill>
+                <a:cs typeface="Courier New" panose="02070309020205020404" pitchFamily="49" charset="0"/>
+                <a:sym typeface="Arial Narrow"/>
+              </a:rPr>
+              <a:t>Электронный ресурс] // </a:t>
+            </a:r>
+            <a:r>
+              <a:rPr lang="en-US" sz="2800" dirty="0">
+                <a:solidFill>
+                  <a:srgbClr val="253957"/>
+                </a:solidFill>
+                <a:cs typeface="Courier New" panose="02070309020205020404" pitchFamily="49" charset="0"/>
+                <a:sym typeface="Arial Narrow"/>
+              </a:rPr>
+              <a:t>URL: https://upsource.jetbrains.com/idea-ce/structure/idea-ce-40e5005d02df57f58ac2d498867446c43d61101f/platform/editor-ui-api (</a:t>
+            </a:r>
+            <a:r>
+              <a:rPr lang="ru-RU" sz="2800" dirty="0">
+                <a:solidFill>
+                  <a:srgbClr val="253957"/>
+                </a:solidFill>
+                <a:cs typeface="Courier New" panose="02070309020205020404" pitchFamily="49" charset="0"/>
+                <a:sym typeface="Arial Narrow"/>
+              </a:rPr>
+              <a:t>Дата обращения 20.04.2020, режим доступа: свободный).</a:t>
+            </a:r>
+          </a:p>
+          <a:p>
+            <a:pPr marL="514350" indent="-514350" algn="l">
+              <a:spcBef>
+                <a:spcPts val="1800"/>
+              </a:spcBef>
+              <a:buFont typeface="+mj-lt"/>
+              <a:buAutoNum type="arabicPeriod"/>
+              <a:defRPr sz="2800">
+                <a:solidFill>
+                  <a:srgbClr val="253957"/>
+                </a:solidFill>
+                <a:latin typeface="+mn-lt"/>
+                <a:ea typeface="+mn-ea"/>
+                <a:cs typeface="+mn-cs"/>
+                <a:sym typeface="Arial Narrow"/>
+              </a:defRPr>
+            </a:pPr>
+            <a:r>
+              <a:rPr lang="en-US" sz="2800" dirty="0">
+                <a:solidFill>
+                  <a:srgbClr val="253957"/>
+                </a:solidFill>
+                <a:cs typeface="Courier New" panose="02070309020205020404" pitchFamily="49" charset="0"/>
+                <a:sym typeface="Arial Narrow"/>
+              </a:rPr>
+              <a:t>SQLite3 documentation (with JDBC) [</a:t>
+            </a:r>
+            <a:r>
+              <a:rPr lang="ru-RU" sz="2800" dirty="0">
+                <a:solidFill>
+                  <a:srgbClr val="253957"/>
+                </a:solidFill>
+                <a:cs typeface="Courier New" panose="02070309020205020404" pitchFamily="49" charset="0"/>
+                <a:sym typeface="Arial Narrow"/>
+              </a:rPr>
+              <a:t>Электронный ресурс] // </a:t>
+            </a:r>
+            <a:r>
+              <a:rPr lang="en-US" sz="2800" dirty="0">
+                <a:solidFill>
+                  <a:srgbClr val="253957"/>
+                </a:solidFill>
+                <a:cs typeface="Courier New" panose="02070309020205020404" pitchFamily="49" charset="0"/>
+                <a:sym typeface="Arial Narrow"/>
+              </a:rPr>
+              <a:t>URL: https://www.sqlitetutorial.net/ (</a:t>
+            </a:r>
+            <a:r>
+              <a:rPr lang="ru-RU" sz="2800" dirty="0">
+                <a:solidFill>
+                  <a:srgbClr val="253957"/>
+                </a:solidFill>
+                <a:cs typeface="Courier New" panose="02070309020205020404" pitchFamily="49" charset="0"/>
+                <a:sym typeface="Arial Narrow"/>
+              </a:rPr>
+              <a:t>Дата обращения 20.04.2020, режим доступа: свободный).</a:t>
+            </a:r>
+          </a:p>
+          <a:p>
+            <a:pPr marL="514350" indent="-514350" algn="l">
+              <a:spcBef>
+                <a:spcPts val="1800"/>
+              </a:spcBef>
+              <a:buFont typeface="+mj-lt"/>
+              <a:buAutoNum type="arabicPeriod"/>
+              <a:defRPr sz="2800">
+                <a:solidFill>
+                  <a:srgbClr val="253957"/>
+                </a:solidFill>
+                <a:latin typeface="+mn-lt"/>
+                <a:ea typeface="+mn-ea"/>
+                <a:cs typeface="+mn-cs"/>
+                <a:sym typeface="Arial Narrow"/>
+              </a:defRPr>
+            </a:pPr>
+            <a:r>
+              <a:rPr lang="en-US" sz="2800" dirty="0">
+                <a:solidFill>
+                  <a:srgbClr val="253957"/>
+                </a:solidFill>
+                <a:cs typeface="Courier New" panose="02070309020205020404" pitchFamily="49" charset="0"/>
+                <a:sym typeface="Arial Narrow"/>
+              </a:rPr>
+              <a:t>Java Swing Tutorials and Documentation [</a:t>
+            </a:r>
+            <a:r>
+              <a:rPr lang="ru-RU" sz="2800" dirty="0">
+                <a:solidFill>
+                  <a:srgbClr val="253957"/>
+                </a:solidFill>
+                <a:cs typeface="Courier New" panose="02070309020205020404" pitchFamily="49" charset="0"/>
+                <a:sym typeface="Arial Narrow"/>
+              </a:rPr>
+              <a:t>Электронный ресурс] // </a:t>
+            </a:r>
+            <a:r>
+              <a:rPr lang="en-US" sz="2800" dirty="0">
+                <a:solidFill>
+                  <a:srgbClr val="253957"/>
+                </a:solidFill>
+                <a:cs typeface="Courier New" panose="02070309020205020404" pitchFamily="49" charset="0"/>
+                <a:sym typeface="Arial Narrow"/>
+              </a:rPr>
+              <a:t>URL: http://java-online.ru/libs-swing.xhtml (</a:t>
+            </a:r>
+            <a:r>
+              <a:rPr lang="ru-RU" sz="2800" dirty="0">
+                <a:solidFill>
+                  <a:srgbClr val="253957"/>
+                </a:solidFill>
+                <a:cs typeface="Courier New" panose="02070309020205020404" pitchFamily="49" charset="0"/>
+                <a:sym typeface="Arial Narrow"/>
+              </a:rPr>
+              <a:t>Дата обращения 20.04.2020, режим доступа: свободный).</a:t>
+            </a:r>
+          </a:p>
+          <a:p>
+            <a:pPr marL="514350" indent="-514350" algn="l">
+              <a:spcBef>
+                <a:spcPts val="1800"/>
+              </a:spcBef>
+              <a:buFont typeface="+mj-lt"/>
+              <a:buAutoNum type="arabicPeriod"/>
+              <a:defRPr sz="2800">
+                <a:solidFill>
+                  <a:srgbClr val="253957"/>
+                </a:solidFill>
+                <a:latin typeface="+mn-lt"/>
+                <a:ea typeface="+mn-ea"/>
+                <a:cs typeface="+mn-cs"/>
+                <a:sym typeface="Arial Narrow"/>
+              </a:defRPr>
+            </a:pPr>
+            <a:r>
+              <a:rPr lang="en-US" sz="2800" dirty="0" err="1">
+                <a:solidFill>
+                  <a:srgbClr val="253957"/>
+                </a:solidFill>
+                <a:cs typeface="Courier New" panose="02070309020205020404" pitchFamily="49" charset="0"/>
+                <a:sym typeface="Arial Narrow"/>
+              </a:rPr>
+              <a:t>OpenCSV</a:t>
+            </a:r>
+            <a:r>
+              <a:rPr lang="en-US" sz="2800" dirty="0">
+                <a:solidFill>
+                  <a:srgbClr val="253957"/>
+                </a:solidFill>
+                <a:cs typeface="Courier New" panose="02070309020205020404" pitchFamily="49" charset="0"/>
+                <a:sym typeface="Arial Narrow"/>
+              </a:rPr>
+              <a:t> Documentation [</a:t>
+            </a:r>
+            <a:r>
+              <a:rPr lang="ru-RU" sz="2800" dirty="0">
+                <a:solidFill>
+                  <a:srgbClr val="253957"/>
+                </a:solidFill>
+                <a:cs typeface="Courier New" panose="02070309020205020404" pitchFamily="49" charset="0"/>
+                <a:sym typeface="Arial Narrow"/>
+              </a:rPr>
+              <a:t>Электронный ресурс] // </a:t>
+            </a:r>
+            <a:r>
+              <a:rPr lang="en-US" sz="2800" dirty="0">
+                <a:solidFill>
+                  <a:srgbClr val="253957"/>
+                </a:solidFill>
+                <a:cs typeface="Courier New" panose="02070309020205020404" pitchFamily="49" charset="0"/>
+                <a:sym typeface="Arial Narrow"/>
+              </a:rPr>
+              <a:t>URL: http://opencsv.sourceforge.net/ (</a:t>
+            </a:r>
+            <a:r>
+              <a:rPr lang="ru-RU" sz="2800" dirty="0">
+                <a:solidFill>
+                  <a:srgbClr val="253957"/>
+                </a:solidFill>
+                <a:cs typeface="Courier New" panose="02070309020205020404" pitchFamily="49" charset="0"/>
+                <a:sym typeface="Arial Narrow"/>
+              </a:rPr>
+              <a:t>Дата обращения 20.04.2020, режим доступа: свободный).</a:t>
+            </a:r>
+          </a:p>
+          <a:p>
+            <a:pPr marL="514350" indent="-514350" algn="l">
+              <a:spcBef>
+                <a:spcPts val="1800"/>
+              </a:spcBef>
+              <a:buFont typeface="+mj-lt"/>
+              <a:buAutoNum type="arabicPeriod"/>
+              <a:defRPr sz="2800">
+                <a:solidFill>
+                  <a:srgbClr val="253957"/>
+                </a:solidFill>
+                <a:latin typeface="+mn-lt"/>
+                <a:ea typeface="+mn-ea"/>
+                <a:cs typeface="+mn-cs"/>
+                <a:sym typeface="Arial Narrow"/>
+              </a:defRPr>
+            </a:pPr>
+            <a:r>
+              <a:rPr lang="en-US" sz="2800" dirty="0">
+                <a:solidFill>
+                  <a:srgbClr val="253957"/>
+                </a:solidFill>
+                <a:cs typeface="Courier New" panose="02070309020205020404" pitchFamily="49" charset="0"/>
+                <a:sym typeface="Arial Narrow"/>
+              </a:rPr>
+              <a:t>Gradle Guideline and Documentation for Java 11 [</a:t>
+            </a:r>
+            <a:r>
+              <a:rPr lang="ru-RU" sz="2800" dirty="0">
+                <a:solidFill>
+                  <a:srgbClr val="253957"/>
+                </a:solidFill>
+                <a:cs typeface="Courier New" panose="02070309020205020404" pitchFamily="49" charset="0"/>
+                <a:sym typeface="Arial Narrow"/>
+              </a:rPr>
+              <a:t>Электронный ресурс] // </a:t>
+            </a:r>
+            <a:r>
+              <a:rPr lang="en-US" sz="2800" dirty="0">
+                <a:solidFill>
+                  <a:srgbClr val="253957"/>
+                </a:solidFill>
+                <a:cs typeface="Courier New" panose="02070309020205020404" pitchFamily="49" charset="0"/>
+                <a:sym typeface="Arial Narrow"/>
+              </a:rPr>
+              <a:t>URL: https://docs.gradle.org/current/userguide/building_java_projects.html (</a:t>
+            </a:r>
+            <a:r>
+              <a:rPr lang="ru-RU" sz="2800" dirty="0">
+                <a:solidFill>
+                  <a:srgbClr val="253957"/>
+                </a:solidFill>
+                <a:cs typeface="Courier New" panose="02070309020205020404" pitchFamily="49" charset="0"/>
+                <a:sym typeface="Arial Narrow"/>
+              </a:rPr>
+              <a:t>Дата обращения 20.04.2020, режим доступа: свободный).</a:t>
+            </a:r>
+          </a:p>
+          <a:p>
+            <a:pPr marL="514350" indent="-514350" algn="l">
+              <a:spcBef>
+                <a:spcPts val="2800"/>
+              </a:spcBef>
+              <a:buAutoNum type="arabicPeriod"/>
+              <a:defRPr sz="2800">
+                <a:solidFill>
+                  <a:srgbClr val="253957"/>
+                </a:solidFill>
+                <a:latin typeface="+mn-lt"/>
+                <a:ea typeface="+mn-ea"/>
+                <a:cs typeface="+mn-cs"/>
+                <a:sym typeface="Arial Narrow"/>
+              </a:defRPr>
+            </a:pPr>
+            <a:endParaRPr lang="ru-RU" sz="3200" dirty="0">
+              <a:solidFill>
+                <a:srgbClr val="253957"/>
+              </a:solidFill>
+              <a:cs typeface="Courier New" panose="02070309020205020404" pitchFamily="49" charset="0"/>
+              <a:sym typeface="Arial Narrow"/>
+            </a:endParaRPr>
+          </a:p>
+          <a:p>
+            <a:pPr algn="l">
+              <a:spcBef>
+                <a:spcPts val="2800"/>
+              </a:spcBef>
+              <a:defRPr sz="2800">
+                <a:solidFill>
+                  <a:srgbClr val="253957"/>
+                </a:solidFill>
+                <a:latin typeface="+mn-lt"/>
+                <a:ea typeface="+mn-ea"/>
+                <a:cs typeface="+mn-cs"/>
+                <a:sym typeface="Arial Narrow"/>
+              </a:defRPr>
+            </a:pPr>
+            <a:endParaRPr lang="ru-RU" sz="3200" dirty="0">
+              <a:solidFill>
+                <a:srgbClr val="253957"/>
+              </a:solidFill>
+              <a:cs typeface="Courier New" panose="02070309020205020404" pitchFamily="49" charset="0"/>
+              <a:sym typeface="Arial Narrow"/>
+            </a:endParaRPr>
+          </a:p>
+          <a:p>
+            <a:pPr algn="l">
+              <a:spcBef>
+                <a:spcPts val="2800"/>
+              </a:spcBef>
+              <a:defRPr sz="2800">
+                <a:solidFill>
+                  <a:srgbClr val="253957"/>
+                </a:solidFill>
+                <a:latin typeface="+mn-lt"/>
+                <a:ea typeface="+mn-ea"/>
+                <a:cs typeface="+mn-cs"/>
+                <a:sym typeface="Arial Narrow"/>
+              </a:defRPr>
+            </a:pPr>
+            <a:endParaRPr lang="ru-RU" sz="3200" dirty="0">
+              <a:solidFill>
+                <a:srgbClr val="253957"/>
+              </a:solidFill>
+              <a:cs typeface="Courier New" panose="02070309020205020404" pitchFamily="49" charset="0"/>
+              <a:sym typeface="Arial Narrow"/>
+            </a:endParaRPr>
+          </a:p>
+          <a:p>
+            <a:pPr algn="l">
+              <a:spcBef>
+                <a:spcPts val="2800"/>
+              </a:spcBef>
+              <a:defRPr sz="2800">
+                <a:solidFill>
+                  <a:srgbClr val="253957"/>
+                </a:solidFill>
+                <a:latin typeface="+mn-lt"/>
+                <a:ea typeface="+mn-ea"/>
+                <a:cs typeface="+mn-cs"/>
+                <a:sym typeface="Arial Narrow"/>
+              </a:defRPr>
+            </a:pPr>
+            <a:endParaRPr lang="ru-RU" sz="3200" dirty="0">
+              <a:solidFill>
+                <a:srgbClr val="253957"/>
+              </a:solidFill>
+              <a:cs typeface="Courier New" panose="02070309020205020404" pitchFamily="49" charset="0"/>
+              <a:sym typeface="Arial Narrow"/>
+            </a:endParaRPr>
+          </a:p>
+          <a:p>
+            <a:pPr algn="l">
+              <a:spcBef>
+                <a:spcPts val="2800"/>
+              </a:spcBef>
+              <a:defRPr sz="2800">
+                <a:solidFill>
+                  <a:srgbClr val="253957"/>
+                </a:solidFill>
+                <a:latin typeface="+mn-lt"/>
+                <a:ea typeface="+mn-ea"/>
+                <a:cs typeface="+mn-cs"/>
+                <a:sym typeface="Arial Narrow"/>
+              </a:defRPr>
+            </a:pPr>
+            <a:endParaRPr lang="ru-RU" sz="3200" dirty="0">
+              <a:solidFill>
+                <a:srgbClr val="253957"/>
+              </a:solidFill>
+              <a:cs typeface="Courier New" panose="02070309020205020404" pitchFamily="49" charset="0"/>
+              <a:sym typeface="Arial Narrow"/>
+            </a:endParaRPr>
+          </a:p>
+          <a:p>
+            <a:pPr algn="l">
+              <a:spcBef>
+                <a:spcPts val="2800"/>
+              </a:spcBef>
+              <a:defRPr sz="2800">
+                <a:solidFill>
+                  <a:srgbClr val="253957"/>
+                </a:solidFill>
+                <a:latin typeface="+mn-lt"/>
+                <a:ea typeface="+mn-ea"/>
+                <a:cs typeface="+mn-cs"/>
+                <a:sym typeface="Arial Narrow"/>
+              </a:defRPr>
+            </a:pPr>
+            <a:endParaRPr lang="ru-RU" sz="3200" dirty="0">
+              <a:solidFill>
+                <a:srgbClr val="253957"/>
+              </a:solidFill>
+              <a:cs typeface="Courier New" panose="02070309020205020404" pitchFamily="49" charset="0"/>
+              <a:sym typeface="Arial Narrow"/>
+            </a:endParaRPr>
+          </a:p>
+          <a:p>
+            <a:pPr algn="l">
+              <a:spcBef>
+                <a:spcPts val="2800"/>
+              </a:spcBef>
+              <a:defRPr sz="2800">
+                <a:solidFill>
+                  <a:srgbClr val="253957"/>
+                </a:solidFill>
+                <a:latin typeface="+mn-lt"/>
+                <a:ea typeface="+mn-ea"/>
+                <a:cs typeface="+mn-cs"/>
+                <a:sym typeface="Arial Narrow"/>
+              </a:defRPr>
+            </a:pPr>
+            <a:endParaRPr lang="ru-RU" sz="3200" dirty="0">
+              <a:solidFill>
+                <a:srgbClr val="253957"/>
+              </a:solidFill>
+              <a:cs typeface="Courier New" panose="02070309020205020404" pitchFamily="49" charset="0"/>
+              <a:sym typeface="Arial Narrow"/>
+            </a:endParaRPr>
+          </a:p>
+        </p:txBody>
+      </p:sp>
+      <p:sp>
+        <p:nvSpPr>
+          <p:cNvPr id="61" name="Заголовок основного текста"/>
+          <p:cNvSpPr txBox="1"/>
+          <p:nvPr/>
+        </p:nvSpPr>
+        <p:spPr>
+          <a:xfrm>
+            <a:off x="1201065" y="3641861"/>
+            <a:ext cx="16073438" cy="1324943"/>
+          </a:xfrm>
+          <a:prstGeom prst="rect">
+            <a:avLst/>
+          </a:prstGeom>
+          <a:ln w="12700">
+            <a:miter lim="400000"/>
+          </a:ln>
+          <a:extLst>
+            <a:ext uri="{C572A759-6A51-4108-AA02-DFA0A04FC94B}">
+              <ma14:wrappingTextBoxFlag xmlns:ma14="http://schemas.microsoft.com/office/mac/drawingml/2011/main" xmlns:a14="http://schemas.microsoft.com/office/drawing/2010/main" xmlns:m="http://schemas.openxmlformats.org/officeDocument/2006/math" xmlns="" val="1"/>
+            </a:ext>
+          </a:extLst>
+        </p:spPr>
+        <p:txBody>
+          <a:bodyPr lIns="71437" tIns="71437" rIns="71437" bIns="71437" anchor="b"/>
+          <a:lstStyle>
+            <a:lvl1pPr algn="l">
+              <a:defRPr sz="4200" b="1">
+                <a:solidFill>
+                  <a:srgbClr val="253957"/>
+                </a:solidFill>
+                <a:latin typeface="+mn-lt"/>
+                <a:ea typeface="+mn-ea"/>
+                <a:cs typeface="+mn-cs"/>
+                <a:sym typeface="Arial Narrow"/>
+              </a:defRPr>
+            </a:lvl1pPr>
+          </a:lstStyle>
+          <a:p>
+            <a:endParaRPr lang="ru-RU" dirty="0"/>
+          </a:p>
+        </p:txBody>
+      </p:sp>
+      <p:sp>
+        <p:nvSpPr>
+          <p:cNvPr id="62" name="Название подразделения, лаборатории, факультета и т.д."/>
+          <p:cNvSpPr txBox="1"/>
+          <p:nvPr/>
+        </p:nvSpPr>
+        <p:spPr>
+          <a:xfrm>
+            <a:off x="11338744" y="757698"/>
+            <a:ext cx="11366416" cy="882933"/>
+          </a:xfrm>
+          <a:prstGeom prst="rect">
+            <a:avLst/>
+          </a:prstGeom>
+          <a:ln w="12700">
+            <a:miter lim="400000"/>
+          </a:ln>
+          <a:extLst>
+            <a:ext uri="{C572A759-6A51-4108-AA02-DFA0A04FC94B}">
+              <ma14:wrappingTextBoxFlag xmlns:ma14="http://schemas.microsoft.com/office/mac/drawingml/2011/main" xmlns:a14="http://schemas.microsoft.com/office/drawing/2010/main" xmlns:m="http://schemas.openxmlformats.org/officeDocument/2006/math" xmlns="" val="1"/>
+            </a:ext>
+          </a:extLst>
+        </p:spPr>
+        <p:txBody>
+          <a:bodyPr lIns="71437" tIns="71437" rIns="71437" bIns="71437" anchor="ctr">
+            <a:spAutoFit/>
+          </a:bodyPr>
+          <a:lstStyle>
+            <a:lvl1pPr algn="r">
+              <a:defRPr sz="2400">
+                <a:solidFill>
+                  <a:srgbClr val="253957"/>
+                </a:solidFill>
+                <a:latin typeface="+mn-lt"/>
+                <a:ea typeface="+mn-ea"/>
+                <a:cs typeface="+mn-cs"/>
+                <a:sym typeface="Arial Narrow"/>
+              </a:defRPr>
+            </a:lvl1pPr>
+          </a:lstStyle>
+          <a:p>
+            <a:r>
+              <a:rPr lang="ru-RU" dirty="0" err="1"/>
+              <a:t>Тибилов</a:t>
+            </a:r>
+            <a:r>
+              <a:rPr lang="ru-RU" dirty="0"/>
+              <a:t> Таймураз, группа БПИ184</a:t>
+            </a:r>
+          </a:p>
+          <a:p>
+            <a:r>
+              <a:rPr lang="ru-RU" dirty="0"/>
+              <a:t>ОП Программная инженерия, 2 курс</a:t>
+            </a:r>
+            <a:endParaRPr dirty="0"/>
+          </a:p>
+        </p:txBody>
+      </p:sp>
+      <p:pic>
+        <p:nvPicPr>
+          <p:cNvPr id="63" name="Изображение" descr="Изображение"/>
+          <p:cNvPicPr>
+            <a:picLocks noChangeAspect="1"/>
+          </p:cNvPicPr>
+          <p:nvPr/>
+        </p:nvPicPr>
+        <p:blipFill>
+          <a:blip r:embed="rId2"/>
+          <a:stretch>
+            <a:fillRect/>
+          </a:stretch>
+        </p:blipFill>
+        <p:spPr>
+          <a:xfrm>
+            <a:off x="1226606" y="586180"/>
+            <a:ext cx="1199579" cy="1199579"/>
+          </a:xfrm>
+          <a:prstGeom prst="rect">
+            <a:avLst/>
+          </a:prstGeom>
+          <a:ln w="12700">
+            <a:miter lim="400000"/>
+          </a:ln>
+        </p:spPr>
+      </p:pic>
+      <p:sp>
+        <p:nvSpPr>
+          <p:cNvPr id="2" name="Номер слайда 1">
+            <a:extLst>
+              <a:ext uri="{FF2B5EF4-FFF2-40B4-BE49-F238E27FC236}">
+                <a16:creationId xmlns:a16="http://schemas.microsoft.com/office/drawing/2014/main" id="{D02B7BC1-F896-4736-ADF7-31A7FFEC4B7D}"/>
+              </a:ext>
+            </a:extLst>
+          </p:cNvPr>
+          <p:cNvSpPr>
+            <a:spLocks noGrp="1"/>
+          </p:cNvSpPr>
+          <p:nvPr>
+            <p:ph type="sldNum" sz="quarter" idx="2"/>
+          </p:nvPr>
+        </p:nvSpPr>
+        <p:spPr/>
+        <p:txBody>
+          <a:bodyPr/>
+          <a:lstStyle/>
+          <a:p>
+            <a:fld id="{86CB4B4D-7CA3-9044-876B-883B54F8677D}" type="slidenum">
+              <a:rPr lang="ru-RU" smtClean="0"/>
+              <a:t>21</a:t>
+            </a:fld>
+            <a:endParaRPr lang="ru-RU" dirty="0"/>
+          </a:p>
+        </p:txBody>
+      </p:sp>
+    </p:spTree>
+    <p:extLst>
+      <p:ext uri="{BB962C8B-B14F-4D97-AF65-F5344CB8AC3E}">
+        <p14:creationId xmlns:p14="http://schemas.microsoft.com/office/powerpoint/2010/main" val="1120957148"/>
+      </p:ext>
+    </p:extLst>
+  </p:cSld>
+  <p:clrMapOvr>
+    <a:masterClrMapping/>
+  </p:clrMapOvr>
+  <p:transition spd="med"/>
+</p:sld>
+</file>
+
+<file path=ppt/slides/slide22.xml><?xml version="1.0" encoding="utf-8"?>
+<p:sld xmlns:a="http://schemas.openxmlformats.org/drawingml/2006/main" xmlns:r="http://schemas.openxmlformats.org/officeDocument/2006/relationships" xmlns:p="http://schemas.openxmlformats.org/presentationml/2006/main">
+  <p:cSld>
+    <p:spTree>
+      <p:nvGrpSpPr>
+        <p:cNvPr id="1" name=""/>
+        <p:cNvGrpSpPr/>
+        <p:nvPr/>
+      </p:nvGrpSpPr>
+      <p:grpSpPr>
+        <a:xfrm>
+          <a:off x="0" y="0"/>
+          <a:ext cx="0" cy="0"/>
+          <a:chOff x="0" y="0"/>
+          <a:chExt cx="0" cy="0"/>
+        </a:xfrm>
+      </p:grpSpPr>
+      <p:sp>
+        <p:nvSpPr>
+          <p:cNvPr id="100" name="Адрес: ТехтТехтТехтТехтТехтТехтТехтТехтТехтТехтТехтТехтТехт"/>
+          <p:cNvSpPr txBox="1"/>
+          <p:nvPr/>
+        </p:nvSpPr>
+        <p:spPr>
+          <a:xfrm>
+            <a:off x="5639272" y="11466512"/>
+            <a:ext cx="13105456" cy="513601"/>
+          </a:xfrm>
+          <a:prstGeom prst="rect">
+            <a:avLst/>
+          </a:prstGeom>
+          <a:ln w="12700">
+            <a:miter lim="400000"/>
+          </a:ln>
+          <a:extLst>
+            <a:ext uri="{C572A759-6A51-4108-AA02-DFA0A04FC94B}">
+              <ma14:wrappingTextBoxFlag xmlns:ma14="http://schemas.microsoft.com/office/mac/drawingml/2011/main" xmlns:a14="http://schemas.microsoft.com/office/drawing/2010/main" xmlns:m="http://schemas.openxmlformats.org/officeDocument/2006/math" xmlns="" val="1"/>
             </a:ext>
           </a:extLst>
         </p:spPr>
@@ -10420,7 +11409,7 @@
           </a:ln>
           <a:extLst>
             <a:ext uri="{C572A759-6A51-4108-AA02-DFA0A04FC94B}">
-              <ma14:wrappingTextBoxFlag xmlns="" xmlns:m="http://schemas.openxmlformats.org/officeDocument/2006/math" xmlns:a14="http://schemas.microsoft.com/office/drawing/2010/main" xmlns:ma14="http://schemas.microsoft.com/office/mac/drawingml/2011/main" val="1"/>
+              <ma14:wrappingTextBoxFlag xmlns:ma14="http://schemas.microsoft.com/office/mac/drawingml/2011/main" xmlns:a14="http://schemas.microsoft.com/office/drawing/2010/main" xmlns:m="http://schemas.openxmlformats.org/officeDocument/2006/math" xmlns="" val="1"/>
             </a:ext>
           </a:extLst>
         </p:spPr>
@@ -10540,7 +11529,7 @@
           </a:ln>
           <a:extLst>
             <a:ext uri="{C572A759-6A51-4108-AA02-DFA0A04FC94B}">
-              <ma14:wrappingTextBoxFlag xmlns="" xmlns:m="http://schemas.openxmlformats.org/officeDocument/2006/math" xmlns:a14="http://schemas.microsoft.com/office/drawing/2010/main" xmlns:ma14="http://schemas.microsoft.com/office/mac/drawingml/2011/main" val="1"/>
+              <ma14:wrappingTextBoxFlag xmlns:ma14="http://schemas.microsoft.com/office/mac/drawingml/2011/main" xmlns:a14="http://schemas.microsoft.com/office/drawing/2010/main" xmlns:m="http://schemas.openxmlformats.org/officeDocument/2006/math" xmlns="" val="1"/>
             </a:ext>
           </a:extLst>
         </p:spPr>
@@ -10586,7 +11575,7 @@
           </a:ln>
           <a:extLst>
             <a:ext uri="{C572A759-6A51-4108-AA02-DFA0A04FC94B}">
-              <ma14:wrappingTextBoxFlag xmlns="" xmlns:m="http://schemas.openxmlformats.org/officeDocument/2006/math" xmlns:a14="http://schemas.microsoft.com/office/drawing/2010/main" xmlns:ma14="http://schemas.microsoft.com/office/mac/drawingml/2011/main" val="1"/>
+              <ma14:wrappingTextBoxFlag xmlns:ma14="http://schemas.microsoft.com/office/mac/drawingml/2011/main" xmlns:a14="http://schemas.microsoft.com/office/drawing/2010/main" xmlns:m="http://schemas.openxmlformats.org/officeDocument/2006/math" xmlns="" val="1"/>
             </a:ext>
           </a:extLst>
         </p:spPr>
@@ -10771,7 +11760,7 @@
           </a:ln>
           <a:extLst>
             <a:ext uri="{C572A759-6A51-4108-AA02-DFA0A04FC94B}">
-              <ma14:wrappingTextBoxFlag xmlns="" xmlns:m="http://schemas.openxmlformats.org/officeDocument/2006/math" xmlns:a14="http://schemas.microsoft.com/office/drawing/2010/main" xmlns:ma14="http://schemas.microsoft.com/office/mac/drawingml/2011/main" val="1"/>
+              <ma14:wrappingTextBoxFlag xmlns:ma14="http://schemas.microsoft.com/office/mac/drawingml/2011/main" xmlns:a14="http://schemas.microsoft.com/office/drawing/2010/main" xmlns:m="http://schemas.openxmlformats.org/officeDocument/2006/math" xmlns="" val="1"/>
             </a:ext>
           </a:extLst>
         </p:spPr>
@@ -10814,7 +11803,7 @@
           </a:ln>
           <a:extLst>
             <a:ext uri="{C572A759-6A51-4108-AA02-DFA0A04FC94B}">
-              <ma14:wrappingTextBoxFlag xmlns="" xmlns:m="http://schemas.openxmlformats.org/officeDocument/2006/math" xmlns:a14="http://schemas.microsoft.com/office/drawing/2010/main" xmlns:ma14="http://schemas.microsoft.com/office/mac/drawingml/2011/main" val="1"/>
+              <ma14:wrappingTextBoxFlag xmlns:ma14="http://schemas.microsoft.com/office/mac/drawingml/2011/main" xmlns:a14="http://schemas.microsoft.com/office/drawing/2010/main" xmlns:m="http://schemas.openxmlformats.org/officeDocument/2006/math" xmlns="" val="1"/>
             </a:ext>
           </a:extLst>
         </p:spPr>
@@ -10987,7 +11976,7 @@
           </a:ln>
           <a:extLst>
             <a:ext uri="{C572A759-6A51-4108-AA02-DFA0A04FC94B}">
-              <ma14:wrappingTextBoxFlag xmlns="" xmlns:m="http://schemas.openxmlformats.org/officeDocument/2006/math" xmlns:a14="http://schemas.microsoft.com/office/drawing/2010/main" xmlns:ma14="http://schemas.microsoft.com/office/mac/drawingml/2011/main" val="1"/>
+              <ma14:wrappingTextBoxFlag xmlns:ma14="http://schemas.microsoft.com/office/mac/drawingml/2011/main" xmlns:a14="http://schemas.microsoft.com/office/drawing/2010/main" xmlns:m="http://schemas.openxmlformats.org/officeDocument/2006/math" xmlns="" val="1"/>
             </a:ext>
           </a:extLst>
         </p:spPr>
@@ -11033,7 +12022,7 @@
           </a:ln>
           <a:extLst>
             <a:ext uri="{C572A759-6A51-4108-AA02-DFA0A04FC94B}">
-              <ma14:wrappingTextBoxFlag xmlns="" xmlns:m="http://schemas.openxmlformats.org/officeDocument/2006/math" xmlns:a14="http://schemas.microsoft.com/office/drawing/2010/main" xmlns:ma14="http://schemas.microsoft.com/office/mac/drawingml/2011/main" val="1"/>
+              <ma14:wrappingTextBoxFlag xmlns:ma14="http://schemas.microsoft.com/office/mac/drawingml/2011/main" xmlns:a14="http://schemas.microsoft.com/office/drawing/2010/main" xmlns:m="http://schemas.openxmlformats.org/officeDocument/2006/math" xmlns="" val="1"/>
             </a:ext>
           </a:extLst>
         </p:spPr>
@@ -11245,7 +12234,7 @@
           </a:ln>
           <a:extLst>
             <a:ext uri="{C572A759-6A51-4108-AA02-DFA0A04FC94B}">
-              <ma14:wrappingTextBoxFlag xmlns="" xmlns:m="http://schemas.openxmlformats.org/officeDocument/2006/math" xmlns:a14="http://schemas.microsoft.com/office/drawing/2010/main" xmlns:ma14="http://schemas.microsoft.com/office/mac/drawingml/2011/main" val="1"/>
+              <ma14:wrappingTextBoxFlag xmlns:ma14="http://schemas.microsoft.com/office/mac/drawingml/2011/main" xmlns:a14="http://schemas.microsoft.com/office/drawing/2010/main" xmlns:m="http://schemas.openxmlformats.org/officeDocument/2006/math" xmlns="" val="1"/>
             </a:ext>
           </a:extLst>
         </p:spPr>
@@ -11288,7 +12277,7 @@
           </a:ln>
           <a:extLst>
             <a:ext uri="{C572A759-6A51-4108-AA02-DFA0A04FC94B}">
-              <ma14:wrappingTextBoxFlag xmlns="" xmlns:m="http://schemas.openxmlformats.org/officeDocument/2006/math" xmlns:a14="http://schemas.microsoft.com/office/drawing/2010/main" xmlns:ma14="http://schemas.microsoft.com/office/mac/drawingml/2011/main" val="1"/>
+              <ma14:wrappingTextBoxFlag xmlns:ma14="http://schemas.microsoft.com/office/mac/drawingml/2011/main" xmlns:a14="http://schemas.microsoft.com/office/drawing/2010/main" xmlns:m="http://schemas.openxmlformats.org/officeDocument/2006/math" xmlns="" val="1"/>
             </a:ext>
           </a:extLst>
         </p:spPr>
@@ -11466,7 +12455,7 @@
           </a:ln>
           <a:extLst>
             <a:ext uri="{C572A759-6A51-4108-AA02-DFA0A04FC94B}">
-              <ma14:wrappingTextBoxFlag xmlns="" xmlns:m="http://schemas.openxmlformats.org/officeDocument/2006/math" xmlns:a14="http://schemas.microsoft.com/office/drawing/2010/main" xmlns:ma14="http://schemas.microsoft.com/office/mac/drawingml/2011/main" val="1"/>
+              <ma14:wrappingTextBoxFlag xmlns:ma14="http://schemas.microsoft.com/office/mac/drawingml/2011/main" xmlns:a14="http://schemas.microsoft.com/office/drawing/2010/main" xmlns:m="http://schemas.openxmlformats.org/officeDocument/2006/math" xmlns="" val="1"/>
             </a:ext>
           </a:extLst>
         </p:spPr>
@@ -11512,7 +12501,7 @@
           </a:ln>
           <a:extLst>
             <a:ext uri="{C572A759-6A51-4108-AA02-DFA0A04FC94B}">
-              <ma14:wrappingTextBoxFlag xmlns="" xmlns:m="http://schemas.openxmlformats.org/officeDocument/2006/math" xmlns:a14="http://schemas.microsoft.com/office/drawing/2010/main" xmlns:ma14="http://schemas.microsoft.com/office/mac/drawingml/2011/main" val="1"/>
+              <ma14:wrappingTextBoxFlag xmlns:ma14="http://schemas.microsoft.com/office/mac/drawingml/2011/main" xmlns:a14="http://schemas.microsoft.com/office/drawing/2010/main" xmlns:m="http://schemas.openxmlformats.org/officeDocument/2006/math" xmlns="" val="1"/>
             </a:ext>
           </a:extLst>
         </p:spPr>
@@ -11635,7 +12624,7 @@
           </a:ln>
           <a:extLst>
             <a:ext uri="{C572A759-6A51-4108-AA02-DFA0A04FC94B}">
-              <ma14:wrappingTextBoxFlag xmlns="" xmlns:m="http://schemas.openxmlformats.org/officeDocument/2006/math" xmlns:a14="http://schemas.microsoft.com/office/drawing/2010/main" xmlns:ma14="http://schemas.microsoft.com/office/mac/drawingml/2011/main" val="1"/>
+              <ma14:wrappingTextBoxFlag xmlns:ma14="http://schemas.microsoft.com/office/mac/drawingml/2011/main" xmlns:a14="http://schemas.microsoft.com/office/drawing/2010/main" xmlns:m="http://schemas.openxmlformats.org/officeDocument/2006/math" xmlns="" val="1"/>
             </a:ext>
           </a:extLst>
         </p:spPr>
@@ -11678,7 +12667,7 @@
           </a:ln>
           <a:extLst>
             <a:ext uri="{C572A759-6A51-4108-AA02-DFA0A04FC94B}">
-              <ma14:wrappingTextBoxFlag xmlns="" xmlns:m="http://schemas.openxmlformats.org/officeDocument/2006/math" xmlns:a14="http://schemas.microsoft.com/office/drawing/2010/main" xmlns:ma14="http://schemas.microsoft.com/office/mac/drawingml/2011/main" val="1"/>
+              <ma14:wrappingTextBoxFlag xmlns:ma14="http://schemas.microsoft.com/office/mac/drawingml/2011/main" xmlns:a14="http://schemas.microsoft.com/office/drawing/2010/main" xmlns:m="http://schemas.openxmlformats.org/officeDocument/2006/math" xmlns="" val="1"/>
             </a:ext>
           </a:extLst>
         </p:spPr>
@@ -11856,7 +12845,7 @@
           </a:ln>
           <a:extLst>
             <a:ext uri="{C572A759-6A51-4108-AA02-DFA0A04FC94B}">
-              <ma14:wrappingTextBoxFlag xmlns="" xmlns:m="http://schemas.openxmlformats.org/officeDocument/2006/math" xmlns:a14="http://schemas.microsoft.com/office/drawing/2010/main" xmlns:ma14="http://schemas.microsoft.com/office/mac/drawingml/2011/main" val="1"/>
+              <ma14:wrappingTextBoxFlag xmlns:ma14="http://schemas.microsoft.com/office/mac/drawingml/2011/main" xmlns:a14="http://schemas.microsoft.com/office/drawing/2010/main" xmlns:m="http://schemas.openxmlformats.org/officeDocument/2006/math" xmlns="" val="1"/>
             </a:ext>
           </a:extLst>
         </p:spPr>
@@ -11902,7 +12891,7 @@
           </a:ln>
           <a:extLst>
             <a:ext uri="{C572A759-6A51-4108-AA02-DFA0A04FC94B}">
-              <ma14:wrappingTextBoxFlag xmlns="" xmlns:m="http://schemas.openxmlformats.org/officeDocument/2006/math" xmlns:a14="http://schemas.microsoft.com/office/drawing/2010/main" xmlns:ma14="http://schemas.microsoft.com/office/mac/drawingml/2011/main" val="1"/>
+              <ma14:wrappingTextBoxFlag xmlns:ma14="http://schemas.microsoft.com/office/mac/drawingml/2011/main" xmlns:a14="http://schemas.microsoft.com/office/drawing/2010/main" xmlns:m="http://schemas.openxmlformats.org/officeDocument/2006/math" xmlns="" val="1"/>
             </a:ext>
           </a:extLst>
         </p:spPr>
@@ -12038,7 +13027,7 @@
           </a:ln>
           <a:extLst>
             <a:ext uri="{C572A759-6A51-4108-AA02-DFA0A04FC94B}">
-              <ma14:wrappingTextBoxFlag xmlns="" xmlns:m="http://schemas.openxmlformats.org/officeDocument/2006/math" xmlns:a14="http://schemas.microsoft.com/office/drawing/2010/main" xmlns:ma14="http://schemas.microsoft.com/office/mac/drawingml/2011/main" val="1"/>
+              <ma14:wrappingTextBoxFlag xmlns:ma14="http://schemas.microsoft.com/office/mac/drawingml/2011/main" xmlns:a14="http://schemas.microsoft.com/office/drawing/2010/main" xmlns:m="http://schemas.openxmlformats.org/officeDocument/2006/math" xmlns="" val="1"/>
             </a:ext>
           </a:extLst>
         </p:spPr>
@@ -12084,7 +13073,7 @@
           </a:ln>
           <a:extLst>
             <a:ext uri="{C572A759-6A51-4108-AA02-DFA0A04FC94B}">
-              <ma14:wrappingTextBoxFlag xmlns="" xmlns:m="http://schemas.openxmlformats.org/officeDocument/2006/math" xmlns:a14="http://schemas.microsoft.com/office/drawing/2010/main" xmlns:ma14="http://schemas.microsoft.com/office/mac/drawingml/2011/main" val="1"/>
+              <ma14:wrappingTextBoxFlag xmlns:ma14="http://schemas.microsoft.com/office/mac/drawingml/2011/main" xmlns:a14="http://schemas.microsoft.com/office/drawing/2010/main" xmlns:m="http://schemas.openxmlformats.org/officeDocument/2006/math" xmlns="" val="1"/>
             </a:ext>
           </a:extLst>
         </p:spPr>
@@ -12205,7 +13194,7 @@
           </a:ln>
           <a:extLst>
             <a:ext uri="{C572A759-6A51-4108-AA02-DFA0A04FC94B}">
-              <ma14:wrappingTextBoxFlag xmlns="" xmlns:m="http://schemas.openxmlformats.org/officeDocument/2006/math" xmlns:a14="http://schemas.microsoft.com/office/drawing/2010/main" xmlns:ma14="http://schemas.microsoft.com/office/mac/drawingml/2011/main" val="1"/>
+              <ma14:wrappingTextBoxFlag xmlns:ma14="http://schemas.microsoft.com/office/mac/drawingml/2011/main" xmlns:a14="http://schemas.microsoft.com/office/drawing/2010/main" xmlns:m="http://schemas.openxmlformats.org/officeDocument/2006/math" xmlns="" val="1"/>
             </a:ext>
           </a:extLst>
         </p:spPr>
@@ -12389,7 +13378,7 @@
           </a:ln>
           <a:extLst>
             <a:ext uri="{C572A759-6A51-4108-AA02-DFA0A04FC94B}">
-              <ma14:wrappingTextBoxFlag xmlns="" xmlns:m="http://schemas.openxmlformats.org/officeDocument/2006/math" xmlns:a14="http://schemas.microsoft.com/office/drawing/2010/main" xmlns:ma14="http://schemas.microsoft.com/office/mac/drawingml/2011/main" val="1"/>
+              <ma14:wrappingTextBoxFlag xmlns:ma14="http://schemas.microsoft.com/office/mac/drawingml/2011/main" xmlns:a14="http://schemas.microsoft.com/office/drawing/2010/main" xmlns:m="http://schemas.openxmlformats.org/officeDocument/2006/math" xmlns="" val="1"/>
             </a:ext>
           </a:extLst>
         </p:spPr>
@@ -12434,7 +13423,7 @@
           </a:ln>
           <a:extLst>
             <a:ext uri="{C572A759-6A51-4108-AA02-DFA0A04FC94B}">
-              <ma14:wrappingTextBoxFlag xmlns="" xmlns:m="http://schemas.openxmlformats.org/officeDocument/2006/math" xmlns:a14="http://schemas.microsoft.com/office/drawing/2010/main" xmlns:ma14="http://schemas.microsoft.com/office/mac/drawingml/2011/main" val="1"/>
+              <ma14:wrappingTextBoxFlag xmlns:ma14="http://schemas.microsoft.com/office/mac/drawingml/2011/main" xmlns:a14="http://schemas.microsoft.com/office/drawing/2010/main" xmlns:m="http://schemas.openxmlformats.org/officeDocument/2006/math" xmlns="" val="1"/>
             </a:ext>
           </a:extLst>
         </p:spPr>
@@ -12709,7 +13698,7 @@
           </a:ln>
           <a:extLst>
             <a:ext uri="{C572A759-6A51-4108-AA02-DFA0A04FC94B}">
-              <ma14:wrappingTextBoxFlag xmlns="" xmlns:m="http://schemas.openxmlformats.org/officeDocument/2006/math" xmlns:a14="http://schemas.microsoft.com/office/drawing/2010/main" xmlns:ma14="http://schemas.microsoft.com/office/mac/drawingml/2011/main" val="1"/>
+              <ma14:wrappingTextBoxFlag xmlns:ma14="http://schemas.microsoft.com/office/mac/drawingml/2011/main" xmlns:a14="http://schemas.microsoft.com/office/drawing/2010/main" xmlns:m="http://schemas.openxmlformats.org/officeDocument/2006/math" xmlns="" val="1"/>
             </a:ext>
           </a:extLst>
         </p:spPr>
@@ -13026,7 +14015,7 @@
           </a:ln>
           <a:extLst>
             <a:ext uri="{C572A759-6A51-4108-AA02-DFA0A04FC94B}">
-              <ma14:wrappingTextBoxFlag xmlns="" xmlns:m="http://schemas.openxmlformats.org/officeDocument/2006/math" xmlns:a14="http://schemas.microsoft.com/office/drawing/2010/main" xmlns:ma14="http://schemas.microsoft.com/office/mac/drawingml/2011/main" val="1"/>
+              <ma14:wrappingTextBoxFlag xmlns:ma14="http://schemas.microsoft.com/office/mac/drawingml/2011/main" xmlns:a14="http://schemas.microsoft.com/office/drawing/2010/main" xmlns:m="http://schemas.openxmlformats.org/officeDocument/2006/math" xmlns="" val="1"/>
             </a:ext>
           </a:extLst>
         </p:spPr>
@@ -13071,7 +14060,7 @@
           </a:ln>
           <a:extLst>
             <a:ext uri="{C572A759-6A51-4108-AA02-DFA0A04FC94B}">
-              <ma14:wrappingTextBoxFlag xmlns="" xmlns:m="http://schemas.openxmlformats.org/officeDocument/2006/math" xmlns:a14="http://schemas.microsoft.com/office/drawing/2010/main" xmlns:ma14="http://schemas.microsoft.com/office/mac/drawingml/2011/main" val="1"/>
+              <ma14:wrappingTextBoxFlag xmlns:ma14="http://schemas.microsoft.com/office/mac/drawingml/2011/main" xmlns:a14="http://schemas.microsoft.com/office/drawing/2010/main" xmlns:m="http://schemas.openxmlformats.org/officeDocument/2006/math" xmlns="" val="1"/>
             </a:ext>
           </a:extLst>
         </p:spPr>
@@ -13231,7 +14220,7 @@
           </a:ln>
           <a:extLst>
             <a:ext uri="{C572A759-6A51-4108-AA02-DFA0A04FC94B}">
-              <ma14:wrappingTextBoxFlag xmlns="" xmlns:m="http://schemas.openxmlformats.org/officeDocument/2006/math" xmlns:a14="http://schemas.microsoft.com/office/drawing/2010/main" xmlns:ma14="http://schemas.microsoft.com/office/mac/drawingml/2011/main" val="1"/>
+              <ma14:wrappingTextBoxFlag xmlns:ma14="http://schemas.microsoft.com/office/mac/drawingml/2011/main" xmlns:a14="http://schemas.microsoft.com/office/drawing/2010/main" xmlns:m="http://schemas.openxmlformats.org/officeDocument/2006/math" xmlns="" val="1"/>
             </a:ext>
           </a:extLst>
         </p:spPr>
@@ -13274,7 +14263,7 @@
           </a:ln>
           <a:extLst>
             <a:ext uri="{C572A759-6A51-4108-AA02-DFA0A04FC94B}">
-              <ma14:wrappingTextBoxFlag xmlns="" xmlns:m="http://schemas.openxmlformats.org/officeDocument/2006/math" xmlns:a14="http://schemas.microsoft.com/office/drawing/2010/main" xmlns:ma14="http://schemas.microsoft.com/office/mac/drawingml/2011/main" val="1"/>
+              <ma14:wrappingTextBoxFlag xmlns:ma14="http://schemas.microsoft.com/office/mac/drawingml/2011/main" xmlns:a14="http://schemas.microsoft.com/office/drawing/2010/main" xmlns:m="http://schemas.openxmlformats.org/officeDocument/2006/math" xmlns="" val="1"/>
             </a:ext>
           </a:extLst>
         </p:spPr>
@@ -13452,7 +14441,7 @@
           </a:ln>
           <a:extLst>
             <a:ext uri="{C572A759-6A51-4108-AA02-DFA0A04FC94B}">
-              <ma14:wrappingTextBoxFlag xmlns="" xmlns:m="http://schemas.openxmlformats.org/officeDocument/2006/math" xmlns:a14="http://schemas.microsoft.com/office/drawing/2010/main" xmlns:ma14="http://schemas.microsoft.com/office/mac/drawingml/2011/main" val="1"/>
+              <ma14:wrappingTextBoxFlag xmlns:ma14="http://schemas.microsoft.com/office/mac/drawingml/2011/main" xmlns:a14="http://schemas.microsoft.com/office/drawing/2010/main" xmlns:m="http://schemas.openxmlformats.org/officeDocument/2006/math" xmlns="" val="1"/>
             </a:ext>
           </a:extLst>
         </p:spPr>
@@ -13497,7 +14486,7 @@
           </a:ln>
           <a:extLst>
             <a:ext uri="{C572A759-6A51-4108-AA02-DFA0A04FC94B}">
-              <ma14:wrappingTextBoxFlag xmlns="" xmlns:m="http://schemas.openxmlformats.org/officeDocument/2006/math" xmlns:a14="http://schemas.microsoft.com/office/drawing/2010/main" xmlns:ma14="http://schemas.microsoft.com/office/mac/drawingml/2011/main" val="1"/>
+              <ma14:wrappingTextBoxFlag xmlns:ma14="http://schemas.microsoft.com/office/mac/drawingml/2011/main" xmlns:a14="http://schemas.microsoft.com/office/drawing/2010/main" xmlns:m="http://schemas.openxmlformats.org/officeDocument/2006/math" xmlns="" val="1"/>
             </a:ext>
           </a:extLst>
         </p:spPr>
@@ -13544,7 +14533,7 @@
           </a:ln>
           <a:extLst>
             <a:ext uri="{C572A759-6A51-4108-AA02-DFA0A04FC94B}">
-              <ma14:wrappingTextBoxFlag xmlns="" xmlns:m="http://schemas.openxmlformats.org/officeDocument/2006/math" xmlns:a14="http://schemas.microsoft.com/office/drawing/2010/main" xmlns:ma14="http://schemas.microsoft.com/office/mac/drawingml/2011/main" val="1"/>
+              <ma14:wrappingTextBoxFlag xmlns:ma14="http://schemas.microsoft.com/office/mac/drawingml/2011/main" xmlns:a14="http://schemas.microsoft.com/office/drawing/2010/main" xmlns:m="http://schemas.openxmlformats.org/officeDocument/2006/math" xmlns="" val="1"/>
             </a:ext>
           </a:extLst>
         </p:spPr>
